--- a/E-Genetics/presentations/Genetics_Prototype.pptx
+++ b/E-Genetics/presentations/Genetics_Prototype.pptx
@@ -21,6 +21,7 @@
     <p:sldId id="265" r:id="rId16"/>
     <p:sldId id="266" r:id="rId17"/>
     <p:sldId id="267" r:id="rId18"/>
+    <p:sldId id="268" r:id="rId19"/>
   </p:sldIdLst>
   <p:sldSz cx="9144000" cy="5143500"/>
   <p:notesSz cx="7772400" cy="10058400"/>
@@ -90,10 +91,8 @@
             <a:noAutofit/>
           </a:bodyPr>
           <a:p>
-            <a:endParaRPr b="0" lang="en-US" sz="1800" spc="-1" strike="noStrike">
-              <a:solidFill>
-                <a:srgbClr val="000000"/>
-              </a:solidFill>
+            <a:pPr algn="ctr"/>
+            <a:endParaRPr b="0" lang="en-US" sz="4400" spc="-1" strike="noStrike">
               <a:latin typeface="Arial"/>
             </a:endParaRPr>
           </a:p>
@@ -123,10 +122,7 @@
             <a:normAutofit/>
           </a:bodyPr>
           <a:p>
-            <a:endParaRPr b="0" lang="en-US" sz="2800" spc="-1" strike="noStrike">
-              <a:solidFill>
-                <a:srgbClr val="000000"/>
-              </a:solidFill>
+            <a:endParaRPr b="0" lang="en-US" sz="3200" spc="-1" strike="noStrike">
               <a:latin typeface="Arial"/>
             </a:endParaRPr>
           </a:p>
@@ -156,10 +152,7 @@
             <a:normAutofit/>
           </a:bodyPr>
           <a:p>
-            <a:endParaRPr b="0" lang="en-US" sz="2800" spc="-1" strike="noStrike">
-              <a:solidFill>
-                <a:srgbClr val="000000"/>
-              </a:solidFill>
+            <a:endParaRPr b="0" lang="en-US" sz="3200" spc="-1" strike="noStrike">
               <a:latin typeface="Arial"/>
             </a:endParaRPr>
           </a:p>
@@ -211,10 +204,8 @@
             <a:noAutofit/>
           </a:bodyPr>
           <a:p>
-            <a:endParaRPr b="0" lang="en-US" sz="1800" spc="-1" strike="noStrike">
-              <a:solidFill>
-                <a:srgbClr val="000000"/>
-              </a:solidFill>
+            <a:pPr algn="ctr"/>
+            <a:endParaRPr b="0" lang="en-US" sz="4400" spc="-1" strike="noStrike">
               <a:latin typeface="Arial"/>
             </a:endParaRPr>
           </a:p>
@@ -244,10 +235,7 @@
             <a:normAutofit/>
           </a:bodyPr>
           <a:p>
-            <a:endParaRPr b="0" lang="en-US" sz="2800" spc="-1" strike="noStrike">
-              <a:solidFill>
-                <a:srgbClr val="000000"/>
-              </a:solidFill>
+            <a:endParaRPr b="0" lang="en-US" sz="3200" spc="-1" strike="noStrike">
               <a:latin typeface="Arial"/>
             </a:endParaRPr>
           </a:p>
@@ -277,10 +265,7 @@
             <a:normAutofit/>
           </a:bodyPr>
           <a:p>
-            <a:endParaRPr b="0" lang="en-US" sz="2800" spc="-1" strike="noStrike">
-              <a:solidFill>
-                <a:srgbClr val="000000"/>
-              </a:solidFill>
+            <a:endParaRPr b="0" lang="en-US" sz="3200" spc="-1" strike="noStrike">
               <a:latin typeface="Arial"/>
             </a:endParaRPr>
           </a:p>
@@ -310,10 +295,7 @@
             <a:normAutofit/>
           </a:bodyPr>
           <a:p>
-            <a:endParaRPr b="0" lang="en-US" sz="2800" spc="-1" strike="noStrike">
-              <a:solidFill>
-                <a:srgbClr val="000000"/>
-              </a:solidFill>
+            <a:endParaRPr b="0" lang="en-US" sz="3200" spc="-1" strike="noStrike">
               <a:latin typeface="Arial"/>
             </a:endParaRPr>
           </a:p>
@@ -343,10 +325,7 @@
             <a:normAutofit/>
           </a:bodyPr>
           <a:p>
-            <a:endParaRPr b="0" lang="en-US" sz="2800" spc="-1" strike="noStrike">
-              <a:solidFill>
-                <a:srgbClr val="000000"/>
-              </a:solidFill>
+            <a:endParaRPr b="0" lang="en-US" sz="3200" spc="-1" strike="noStrike">
               <a:latin typeface="Arial"/>
             </a:endParaRPr>
           </a:p>
@@ -398,10 +377,8 @@
             <a:noAutofit/>
           </a:bodyPr>
           <a:p>
-            <a:endParaRPr b="0" lang="en-US" sz="1800" spc="-1" strike="noStrike">
-              <a:solidFill>
-                <a:srgbClr val="000000"/>
-              </a:solidFill>
+            <a:pPr algn="ctr"/>
+            <a:endParaRPr b="0" lang="en-US" sz="4400" spc="-1" strike="noStrike">
               <a:latin typeface="Arial"/>
             </a:endParaRPr>
           </a:p>
@@ -431,10 +408,7 @@
             <a:normAutofit/>
           </a:bodyPr>
           <a:p>
-            <a:endParaRPr b="0" lang="en-US" sz="2800" spc="-1" strike="noStrike">
-              <a:solidFill>
-                <a:srgbClr val="000000"/>
-              </a:solidFill>
+            <a:endParaRPr b="0" lang="en-US" sz="3200" spc="-1" strike="noStrike">
               <a:latin typeface="Arial"/>
             </a:endParaRPr>
           </a:p>
@@ -464,10 +438,7 @@
             <a:normAutofit/>
           </a:bodyPr>
           <a:p>
-            <a:endParaRPr b="0" lang="en-US" sz="2800" spc="-1" strike="noStrike">
-              <a:solidFill>
-                <a:srgbClr val="000000"/>
-              </a:solidFill>
+            <a:endParaRPr b="0" lang="en-US" sz="3200" spc="-1" strike="noStrike">
               <a:latin typeface="Arial"/>
             </a:endParaRPr>
           </a:p>
@@ -497,10 +468,7 @@
             <a:normAutofit/>
           </a:bodyPr>
           <a:p>
-            <a:endParaRPr b="0" lang="en-US" sz="2800" spc="-1" strike="noStrike">
-              <a:solidFill>
-                <a:srgbClr val="000000"/>
-              </a:solidFill>
+            <a:endParaRPr b="0" lang="en-US" sz="3200" spc="-1" strike="noStrike">
               <a:latin typeface="Arial"/>
             </a:endParaRPr>
           </a:p>
@@ -530,10 +498,7 @@
             <a:normAutofit/>
           </a:bodyPr>
           <a:p>
-            <a:endParaRPr b="0" lang="en-US" sz="2800" spc="-1" strike="noStrike">
-              <a:solidFill>
-                <a:srgbClr val="000000"/>
-              </a:solidFill>
+            <a:endParaRPr b="0" lang="en-US" sz="3200" spc="-1" strike="noStrike">
               <a:latin typeface="Arial"/>
             </a:endParaRPr>
           </a:p>
@@ -563,10 +528,7 @@
             <a:normAutofit/>
           </a:bodyPr>
           <a:p>
-            <a:endParaRPr b="0" lang="en-US" sz="2800" spc="-1" strike="noStrike">
-              <a:solidFill>
-                <a:srgbClr val="000000"/>
-              </a:solidFill>
+            <a:endParaRPr b="0" lang="en-US" sz="3200" spc="-1" strike="noStrike">
               <a:latin typeface="Arial"/>
             </a:endParaRPr>
           </a:p>
@@ -596,10 +558,7 @@
             <a:normAutofit/>
           </a:bodyPr>
           <a:p>
-            <a:endParaRPr b="0" lang="en-US" sz="2800" spc="-1" strike="noStrike">
-              <a:solidFill>
-                <a:srgbClr val="000000"/>
-              </a:solidFill>
+            <a:endParaRPr b="0" lang="en-US" sz="3200" spc="-1" strike="noStrike">
               <a:latin typeface="Arial"/>
             </a:endParaRPr>
           </a:p>
@@ -673,10 +632,8 @@
             <a:noAutofit/>
           </a:bodyPr>
           <a:p>
-            <a:endParaRPr b="0" lang="en-US" sz="1800" spc="-1" strike="noStrike">
-              <a:solidFill>
-                <a:srgbClr val="000000"/>
-              </a:solidFill>
+            <a:pPr algn="ctr"/>
+            <a:endParaRPr b="0" lang="en-US" sz="4400" spc="-1" strike="noStrike">
               <a:latin typeface="Arial"/>
             </a:endParaRPr>
           </a:p>
@@ -759,10 +716,8 @@
             <a:noAutofit/>
           </a:bodyPr>
           <a:p>
-            <a:endParaRPr b="0" lang="en-US" sz="1800" spc="-1" strike="noStrike">
-              <a:solidFill>
-                <a:srgbClr val="000000"/>
-              </a:solidFill>
+            <a:pPr algn="ctr"/>
+            <a:endParaRPr b="0" lang="en-US" sz="4400" spc="-1" strike="noStrike">
               <a:latin typeface="Arial"/>
             </a:endParaRPr>
           </a:p>
@@ -792,10 +747,7 @@
             <a:normAutofit/>
           </a:bodyPr>
           <a:p>
-            <a:endParaRPr b="0" lang="en-US" sz="2800" spc="-1" strike="noStrike">
-              <a:solidFill>
-                <a:srgbClr val="000000"/>
-              </a:solidFill>
+            <a:endParaRPr b="0" lang="en-US" sz="3200" spc="-1" strike="noStrike">
               <a:latin typeface="Arial"/>
             </a:endParaRPr>
           </a:p>
@@ -847,10 +799,8 @@
             <a:noAutofit/>
           </a:bodyPr>
           <a:p>
-            <a:endParaRPr b="0" lang="en-US" sz="1800" spc="-1" strike="noStrike">
-              <a:solidFill>
-                <a:srgbClr val="000000"/>
-              </a:solidFill>
+            <a:pPr algn="ctr"/>
+            <a:endParaRPr b="0" lang="en-US" sz="4400" spc="-1" strike="noStrike">
               <a:latin typeface="Arial"/>
             </a:endParaRPr>
           </a:p>
@@ -880,10 +830,7 @@
             <a:normAutofit/>
           </a:bodyPr>
           <a:p>
-            <a:endParaRPr b="0" lang="en-US" sz="2800" spc="-1" strike="noStrike">
-              <a:solidFill>
-                <a:srgbClr val="000000"/>
-              </a:solidFill>
+            <a:endParaRPr b="0" lang="en-US" sz="3200" spc="-1" strike="noStrike">
               <a:latin typeface="Arial"/>
             </a:endParaRPr>
           </a:p>
@@ -913,10 +860,7 @@
             <a:normAutofit/>
           </a:bodyPr>
           <a:p>
-            <a:endParaRPr b="0" lang="en-US" sz="2800" spc="-1" strike="noStrike">
-              <a:solidFill>
-                <a:srgbClr val="000000"/>
-              </a:solidFill>
+            <a:endParaRPr b="0" lang="en-US" sz="3200" spc="-1" strike="noStrike">
               <a:latin typeface="Arial"/>
             </a:endParaRPr>
           </a:p>
@@ -968,10 +912,8 @@
             <a:noAutofit/>
           </a:bodyPr>
           <a:p>
-            <a:endParaRPr b="0" lang="en-US" sz="1800" spc="-1" strike="noStrike">
-              <a:solidFill>
-                <a:srgbClr val="000000"/>
-              </a:solidFill>
+            <a:pPr algn="ctr"/>
+            <a:endParaRPr b="0" lang="en-US" sz="4400" spc="-1" strike="noStrike">
               <a:latin typeface="Arial"/>
             </a:endParaRPr>
           </a:p>
@@ -1076,10 +1018,8 @@
             <a:noAutofit/>
           </a:bodyPr>
           <a:p>
-            <a:endParaRPr b="0" lang="en-US" sz="1800" spc="-1" strike="noStrike">
-              <a:solidFill>
-                <a:srgbClr val="000000"/>
-              </a:solidFill>
+            <a:pPr algn="ctr"/>
+            <a:endParaRPr b="0" lang="en-US" sz="4400" spc="-1" strike="noStrike">
               <a:latin typeface="Arial"/>
             </a:endParaRPr>
           </a:p>
@@ -1109,10 +1049,7 @@
             <a:normAutofit/>
           </a:bodyPr>
           <a:p>
-            <a:endParaRPr b="0" lang="en-US" sz="2800" spc="-1" strike="noStrike">
-              <a:solidFill>
-                <a:srgbClr val="000000"/>
-              </a:solidFill>
+            <a:endParaRPr b="0" lang="en-US" sz="3200" spc="-1" strike="noStrike">
               <a:latin typeface="Arial"/>
             </a:endParaRPr>
           </a:p>
@@ -1142,10 +1079,7 @@
             <a:normAutofit/>
           </a:bodyPr>
           <a:p>
-            <a:endParaRPr b="0" lang="en-US" sz="2800" spc="-1" strike="noStrike">
-              <a:solidFill>
-                <a:srgbClr val="000000"/>
-              </a:solidFill>
+            <a:endParaRPr b="0" lang="en-US" sz="3200" spc="-1" strike="noStrike">
               <a:latin typeface="Arial"/>
             </a:endParaRPr>
           </a:p>
@@ -1175,10 +1109,7 @@
             <a:normAutofit/>
           </a:bodyPr>
           <a:p>
-            <a:endParaRPr b="0" lang="en-US" sz="2800" spc="-1" strike="noStrike">
-              <a:solidFill>
-                <a:srgbClr val="000000"/>
-              </a:solidFill>
+            <a:endParaRPr b="0" lang="en-US" sz="3200" spc="-1" strike="noStrike">
               <a:latin typeface="Arial"/>
             </a:endParaRPr>
           </a:p>
@@ -1230,10 +1161,8 @@
             <a:noAutofit/>
           </a:bodyPr>
           <a:p>
-            <a:endParaRPr b="0" lang="en-US" sz="1800" spc="-1" strike="noStrike">
-              <a:solidFill>
-                <a:srgbClr val="000000"/>
-              </a:solidFill>
+            <a:pPr algn="ctr"/>
+            <a:endParaRPr b="0" lang="en-US" sz="4400" spc="-1" strike="noStrike">
               <a:latin typeface="Arial"/>
             </a:endParaRPr>
           </a:p>
@@ -1316,10 +1245,8 @@
             <a:noAutofit/>
           </a:bodyPr>
           <a:p>
-            <a:endParaRPr b="0" lang="en-US" sz="1800" spc="-1" strike="noStrike">
-              <a:solidFill>
-                <a:srgbClr val="000000"/>
-              </a:solidFill>
+            <a:pPr algn="ctr"/>
+            <a:endParaRPr b="0" lang="en-US" sz="4400" spc="-1" strike="noStrike">
               <a:latin typeface="Arial"/>
             </a:endParaRPr>
           </a:p>
@@ -1349,10 +1276,7 @@
             <a:normAutofit/>
           </a:bodyPr>
           <a:p>
-            <a:endParaRPr b="0" lang="en-US" sz="2800" spc="-1" strike="noStrike">
-              <a:solidFill>
-                <a:srgbClr val="000000"/>
-              </a:solidFill>
+            <a:endParaRPr b="0" lang="en-US" sz="3200" spc="-1" strike="noStrike">
               <a:latin typeface="Arial"/>
             </a:endParaRPr>
           </a:p>
@@ -1382,10 +1306,7 @@
             <a:normAutofit/>
           </a:bodyPr>
           <a:p>
-            <a:endParaRPr b="0" lang="en-US" sz="2800" spc="-1" strike="noStrike">
-              <a:solidFill>
-                <a:srgbClr val="000000"/>
-              </a:solidFill>
+            <a:endParaRPr b="0" lang="en-US" sz="3200" spc="-1" strike="noStrike">
               <a:latin typeface="Arial"/>
             </a:endParaRPr>
           </a:p>
@@ -1415,10 +1336,7 @@
             <a:normAutofit/>
           </a:bodyPr>
           <a:p>
-            <a:endParaRPr b="0" lang="en-US" sz="2800" spc="-1" strike="noStrike">
-              <a:solidFill>
-                <a:srgbClr val="000000"/>
-              </a:solidFill>
+            <a:endParaRPr b="0" lang="en-US" sz="3200" spc="-1" strike="noStrike">
               <a:latin typeface="Arial"/>
             </a:endParaRPr>
           </a:p>
@@ -1470,10 +1388,8 @@
             <a:noAutofit/>
           </a:bodyPr>
           <a:p>
-            <a:endParaRPr b="0" lang="en-US" sz="1800" spc="-1" strike="noStrike">
-              <a:solidFill>
-                <a:srgbClr val="000000"/>
-              </a:solidFill>
+            <a:pPr algn="ctr"/>
+            <a:endParaRPr b="0" lang="en-US" sz="4400" spc="-1" strike="noStrike">
               <a:latin typeface="Arial"/>
             </a:endParaRPr>
           </a:p>
@@ -1503,10 +1419,7 @@
             <a:normAutofit/>
           </a:bodyPr>
           <a:p>
-            <a:endParaRPr b="0" lang="en-US" sz="2800" spc="-1" strike="noStrike">
-              <a:solidFill>
-                <a:srgbClr val="000000"/>
-              </a:solidFill>
+            <a:endParaRPr b="0" lang="en-US" sz="3200" spc="-1" strike="noStrike">
               <a:latin typeface="Arial"/>
             </a:endParaRPr>
           </a:p>
@@ -1536,10 +1449,7 @@
             <a:normAutofit/>
           </a:bodyPr>
           <a:p>
-            <a:endParaRPr b="0" lang="en-US" sz="2800" spc="-1" strike="noStrike">
-              <a:solidFill>
-                <a:srgbClr val="000000"/>
-              </a:solidFill>
+            <a:endParaRPr b="0" lang="en-US" sz="3200" spc="-1" strike="noStrike">
               <a:latin typeface="Arial"/>
             </a:endParaRPr>
           </a:p>
@@ -1569,10 +1479,7 @@
             <a:normAutofit/>
           </a:bodyPr>
           <a:p>
-            <a:endParaRPr b="0" lang="en-US" sz="2800" spc="-1" strike="noStrike">
-              <a:solidFill>
-                <a:srgbClr val="000000"/>
-              </a:solidFill>
+            <a:endParaRPr b="0" lang="en-US" sz="3200" spc="-1" strike="noStrike">
               <a:latin typeface="Arial"/>
             </a:endParaRPr>
           </a:p>
@@ -1624,10 +1531,8 @@
             <a:noAutofit/>
           </a:bodyPr>
           <a:p>
-            <a:endParaRPr b="0" lang="en-US" sz="1800" spc="-1" strike="noStrike">
-              <a:solidFill>
-                <a:srgbClr val="000000"/>
-              </a:solidFill>
+            <a:pPr algn="ctr"/>
+            <a:endParaRPr b="0" lang="en-US" sz="4400" spc="-1" strike="noStrike">
               <a:latin typeface="Arial"/>
             </a:endParaRPr>
           </a:p>
@@ -1657,10 +1562,7 @@
             <a:normAutofit/>
           </a:bodyPr>
           <a:p>
-            <a:endParaRPr b="0" lang="en-US" sz="2800" spc="-1" strike="noStrike">
-              <a:solidFill>
-                <a:srgbClr val="000000"/>
-              </a:solidFill>
+            <a:endParaRPr b="0" lang="en-US" sz="3200" spc="-1" strike="noStrike">
               <a:latin typeface="Arial"/>
             </a:endParaRPr>
           </a:p>
@@ -1690,10 +1592,7 @@
             <a:normAutofit/>
           </a:bodyPr>
           <a:p>
-            <a:endParaRPr b="0" lang="en-US" sz="2800" spc="-1" strike="noStrike">
-              <a:solidFill>
-                <a:srgbClr val="000000"/>
-              </a:solidFill>
+            <a:endParaRPr b="0" lang="en-US" sz="3200" spc="-1" strike="noStrike">
               <a:latin typeface="Arial"/>
             </a:endParaRPr>
           </a:p>
@@ -1745,10 +1644,8 @@
             <a:noAutofit/>
           </a:bodyPr>
           <a:p>
-            <a:endParaRPr b="0" lang="en-US" sz="1800" spc="-1" strike="noStrike">
-              <a:solidFill>
-                <a:srgbClr val="000000"/>
-              </a:solidFill>
+            <a:pPr algn="ctr"/>
+            <a:endParaRPr b="0" lang="en-US" sz="4400" spc="-1" strike="noStrike">
               <a:latin typeface="Arial"/>
             </a:endParaRPr>
           </a:p>
@@ -1778,10 +1675,7 @@
             <a:normAutofit/>
           </a:bodyPr>
           <a:p>
-            <a:endParaRPr b="0" lang="en-US" sz="2800" spc="-1" strike="noStrike">
-              <a:solidFill>
-                <a:srgbClr val="000000"/>
-              </a:solidFill>
+            <a:endParaRPr b="0" lang="en-US" sz="3200" spc="-1" strike="noStrike">
               <a:latin typeface="Arial"/>
             </a:endParaRPr>
           </a:p>
@@ -1811,10 +1705,7 @@
             <a:normAutofit/>
           </a:bodyPr>
           <a:p>
-            <a:endParaRPr b="0" lang="en-US" sz="2800" spc="-1" strike="noStrike">
-              <a:solidFill>
-                <a:srgbClr val="000000"/>
-              </a:solidFill>
+            <a:endParaRPr b="0" lang="en-US" sz="3200" spc="-1" strike="noStrike">
               <a:latin typeface="Arial"/>
             </a:endParaRPr>
           </a:p>
@@ -1844,10 +1735,7 @@
             <a:normAutofit/>
           </a:bodyPr>
           <a:p>
-            <a:endParaRPr b="0" lang="en-US" sz="2800" spc="-1" strike="noStrike">
-              <a:solidFill>
-                <a:srgbClr val="000000"/>
-              </a:solidFill>
+            <a:endParaRPr b="0" lang="en-US" sz="3200" spc="-1" strike="noStrike">
               <a:latin typeface="Arial"/>
             </a:endParaRPr>
           </a:p>
@@ -1877,10 +1765,7 @@
             <a:normAutofit/>
           </a:bodyPr>
           <a:p>
-            <a:endParaRPr b="0" lang="en-US" sz="2800" spc="-1" strike="noStrike">
-              <a:solidFill>
-                <a:srgbClr val="000000"/>
-              </a:solidFill>
+            <a:endParaRPr b="0" lang="en-US" sz="3200" spc="-1" strike="noStrike">
               <a:latin typeface="Arial"/>
             </a:endParaRPr>
           </a:p>
@@ -1932,10 +1817,8 @@
             <a:noAutofit/>
           </a:bodyPr>
           <a:p>
-            <a:endParaRPr b="0" lang="en-US" sz="1800" spc="-1" strike="noStrike">
-              <a:solidFill>
-                <a:srgbClr val="000000"/>
-              </a:solidFill>
+            <a:pPr algn="ctr"/>
+            <a:endParaRPr b="0" lang="en-US" sz="4400" spc="-1" strike="noStrike">
               <a:latin typeface="Arial"/>
             </a:endParaRPr>
           </a:p>
@@ -1965,10 +1848,7 @@
             <a:normAutofit/>
           </a:bodyPr>
           <a:p>
-            <a:endParaRPr b="0" lang="en-US" sz="2800" spc="-1" strike="noStrike">
-              <a:solidFill>
-                <a:srgbClr val="000000"/>
-              </a:solidFill>
+            <a:endParaRPr b="0" lang="en-US" sz="3200" spc="-1" strike="noStrike">
               <a:latin typeface="Arial"/>
             </a:endParaRPr>
           </a:p>
@@ -1998,10 +1878,7 @@
             <a:normAutofit/>
           </a:bodyPr>
           <a:p>
-            <a:endParaRPr b="0" lang="en-US" sz="2800" spc="-1" strike="noStrike">
-              <a:solidFill>
-                <a:srgbClr val="000000"/>
-              </a:solidFill>
+            <a:endParaRPr b="0" lang="en-US" sz="3200" spc="-1" strike="noStrike">
               <a:latin typeface="Arial"/>
             </a:endParaRPr>
           </a:p>
@@ -2031,10 +1908,7 @@
             <a:normAutofit/>
           </a:bodyPr>
           <a:p>
-            <a:endParaRPr b="0" lang="en-US" sz="2800" spc="-1" strike="noStrike">
-              <a:solidFill>
-                <a:srgbClr val="000000"/>
-              </a:solidFill>
+            <a:endParaRPr b="0" lang="en-US" sz="3200" spc="-1" strike="noStrike">
               <a:latin typeface="Arial"/>
             </a:endParaRPr>
           </a:p>
@@ -2064,10 +1938,7 @@
             <a:normAutofit/>
           </a:bodyPr>
           <a:p>
-            <a:endParaRPr b="0" lang="en-US" sz="2800" spc="-1" strike="noStrike">
-              <a:solidFill>
-                <a:srgbClr val="000000"/>
-              </a:solidFill>
+            <a:endParaRPr b="0" lang="en-US" sz="3200" spc="-1" strike="noStrike">
               <a:latin typeface="Arial"/>
             </a:endParaRPr>
           </a:p>
@@ -2097,10 +1968,7 @@
             <a:normAutofit/>
           </a:bodyPr>
           <a:p>
-            <a:endParaRPr b="0" lang="en-US" sz="2800" spc="-1" strike="noStrike">
-              <a:solidFill>
-                <a:srgbClr val="000000"/>
-              </a:solidFill>
+            <a:endParaRPr b="0" lang="en-US" sz="3200" spc="-1" strike="noStrike">
               <a:latin typeface="Arial"/>
             </a:endParaRPr>
           </a:p>
@@ -2130,10 +1998,7 @@
             <a:normAutofit/>
           </a:bodyPr>
           <a:p>
-            <a:endParaRPr b="0" lang="en-US" sz="2800" spc="-1" strike="noStrike">
-              <a:solidFill>
-                <a:srgbClr val="000000"/>
-              </a:solidFill>
+            <a:endParaRPr b="0" lang="en-US" sz="3200" spc="-1" strike="noStrike">
               <a:latin typeface="Arial"/>
             </a:endParaRPr>
           </a:p>
@@ -2207,10 +2072,8 @@
             <a:noAutofit/>
           </a:bodyPr>
           <a:p>
-            <a:endParaRPr b="0" lang="en-US" sz="1800" spc="-1" strike="noStrike">
-              <a:solidFill>
-                <a:srgbClr val="000000"/>
-              </a:solidFill>
+            <a:pPr algn="ctr"/>
+            <a:endParaRPr b="0" lang="en-US" sz="4400" spc="-1" strike="noStrike">
               <a:latin typeface="Arial"/>
             </a:endParaRPr>
           </a:p>
@@ -2293,10 +2156,8 @@
             <a:noAutofit/>
           </a:bodyPr>
           <a:p>
-            <a:endParaRPr b="0" lang="en-US" sz="1800" spc="-1" strike="noStrike">
-              <a:solidFill>
-                <a:srgbClr val="000000"/>
-              </a:solidFill>
+            <a:pPr algn="ctr"/>
+            <a:endParaRPr b="0" lang="en-US" sz="4400" spc="-1" strike="noStrike">
               <a:latin typeface="Arial"/>
             </a:endParaRPr>
           </a:p>
@@ -2326,10 +2187,7 @@
             <a:normAutofit/>
           </a:bodyPr>
           <a:p>
-            <a:endParaRPr b="0" lang="en-US" sz="2800" spc="-1" strike="noStrike">
-              <a:solidFill>
-                <a:srgbClr val="000000"/>
-              </a:solidFill>
+            <a:endParaRPr b="0" lang="en-US" sz="3200" spc="-1" strike="noStrike">
               <a:latin typeface="Arial"/>
             </a:endParaRPr>
           </a:p>
@@ -2381,10 +2239,8 @@
             <a:noAutofit/>
           </a:bodyPr>
           <a:p>
-            <a:endParaRPr b="0" lang="en-US" sz="1800" spc="-1" strike="noStrike">
-              <a:solidFill>
-                <a:srgbClr val="000000"/>
-              </a:solidFill>
+            <a:pPr algn="ctr"/>
+            <a:endParaRPr b="0" lang="en-US" sz="4400" spc="-1" strike="noStrike">
               <a:latin typeface="Arial"/>
             </a:endParaRPr>
           </a:p>
@@ -2414,10 +2270,7 @@
             <a:normAutofit/>
           </a:bodyPr>
           <a:p>
-            <a:endParaRPr b="0" lang="en-US" sz="2800" spc="-1" strike="noStrike">
-              <a:solidFill>
-                <a:srgbClr val="000000"/>
-              </a:solidFill>
+            <a:endParaRPr b="0" lang="en-US" sz="3200" spc="-1" strike="noStrike">
               <a:latin typeface="Arial"/>
             </a:endParaRPr>
           </a:p>
@@ -2447,10 +2300,7 @@
             <a:normAutofit/>
           </a:bodyPr>
           <a:p>
-            <a:endParaRPr b="0" lang="en-US" sz="2800" spc="-1" strike="noStrike">
-              <a:solidFill>
-                <a:srgbClr val="000000"/>
-              </a:solidFill>
+            <a:endParaRPr b="0" lang="en-US" sz="3200" spc="-1" strike="noStrike">
               <a:latin typeface="Arial"/>
             </a:endParaRPr>
           </a:p>
@@ -2502,10 +2352,8 @@
             <a:noAutofit/>
           </a:bodyPr>
           <a:p>
-            <a:endParaRPr b="0" lang="en-US" sz="1800" spc="-1" strike="noStrike">
-              <a:solidFill>
-                <a:srgbClr val="000000"/>
-              </a:solidFill>
+            <a:pPr algn="ctr"/>
+            <a:endParaRPr b="0" lang="en-US" sz="4400" spc="-1" strike="noStrike">
               <a:latin typeface="Arial"/>
             </a:endParaRPr>
           </a:p>
@@ -2557,10 +2405,8 @@
             <a:noAutofit/>
           </a:bodyPr>
           <a:p>
-            <a:endParaRPr b="0" lang="en-US" sz="1800" spc="-1" strike="noStrike">
-              <a:solidFill>
-                <a:srgbClr val="000000"/>
-              </a:solidFill>
+            <a:pPr algn="ctr"/>
+            <a:endParaRPr b="0" lang="en-US" sz="4400" spc="-1" strike="noStrike">
               <a:latin typeface="Arial"/>
             </a:endParaRPr>
           </a:p>
@@ -2590,10 +2436,7 @@
             <a:normAutofit/>
           </a:bodyPr>
           <a:p>
-            <a:endParaRPr b="0" lang="en-US" sz="2800" spc="-1" strike="noStrike">
-              <a:solidFill>
-                <a:srgbClr val="000000"/>
-              </a:solidFill>
+            <a:endParaRPr b="0" lang="en-US" sz="3200" spc="-1" strike="noStrike">
               <a:latin typeface="Arial"/>
             </a:endParaRPr>
           </a:p>
@@ -2698,10 +2541,8 @@
             <a:noAutofit/>
           </a:bodyPr>
           <a:p>
-            <a:endParaRPr b="0" lang="en-US" sz="1800" spc="-1" strike="noStrike">
-              <a:solidFill>
-                <a:srgbClr val="000000"/>
-              </a:solidFill>
+            <a:pPr algn="ctr"/>
+            <a:endParaRPr b="0" lang="en-US" sz="4400" spc="-1" strike="noStrike">
               <a:latin typeface="Arial"/>
             </a:endParaRPr>
           </a:p>
@@ -2731,10 +2572,7 @@
             <a:normAutofit/>
           </a:bodyPr>
           <a:p>
-            <a:endParaRPr b="0" lang="en-US" sz="2800" spc="-1" strike="noStrike">
-              <a:solidFill>
-                <a:srgbClr val="000000"/>
-              </a:solidFill>
+            <a:endParaRPr b="0" lang="en-US" sz="3200" spc="-1" strike="noStrike">
               <a:latin typeface="Arial"/>
             </a:endParaRPr>
           </a:p>
@@ -2764,10 +2602,7 @@
             <a:normAutofit/>
           </a:bodyPr>
           <a:p>
-            <a:endParaRPr b="0" lang="en-US" sz="2800" spc="-1" strike="noStrike">
-              <a:solidFill>
-                <a:srgbClr val="000000"/>
-              </a:solidFill>
+            <a:endParaRPr b="0" lang="en-US" sz="3200" spc="-1" strike="noStrike">
               <a:latin typeface="Arial"/>
             </a:endParaRPr>
           </a:p>
@@ -2797,10 +2632,7 @@
             <a:normAutofit/>
           </a:bodyPr>
           <a:p>
-            <a:endParaRPr b="0" lang="en-US" sz="2800" spc="-1" strike="noStrike">
-              <a:solidFill>
-                <a:srgbClr val="000000"/>
-              </a:solidFill>
+            <a:endParaRPr b="0" lang="en-US" sz="3200" spc="-1" strike="noStrike">
               <a:latin typeface="Arial"/>
             </a:endParaRPr>
           </a:p>
@@ -2852,10 +2684,8 @@
             <a:noAutofit/>
           </a:bodyPr>
           <a:p>
-            <a:endParaRPr b="0" lang="en-US" sz="1800" spc="-1" strike="noStrike">
-              <a:solidFill>
-                <a:srgbClr val="000000"/>
-              </a:solidFill>
+            <a:pPr algn="ctr"/>
+            <a:endParaRPr b="0" lang="en-US" sz="4400" spc="-1" strike="noStrike">
               <a:latin typeface="Arial"/>
             </a:endParaRPr>
           </a:p>
@@ -2885,10 +2715,7 @@
             <a:normAutofit/>
           </a:bodyPr>
           <a:p>
-            <a:endParaRPr b="0" lang="en-US" sz="2800" spc="-1" strike="noStrike">
-              <a:solidFill>
-                <a:srgbClr val="000000"/>
-              </a:solidFill>
+            <a:endParaRPr b="0" lang="en-US" sz="3200" spc="-1" strike="noStrike">
               <a:latin typeface="Arial"/>
             </a:endParaRPr>
           </a:p>
@@ -2918,10 +2745,7 @@
             <a:normAutofit/>
           </a:bodyPr>
           <a:p>
-            <a:endParaRPr b="0" lang="en-US" sz="2800" spc="-1" strike="noStrike">
-              <a:solidFill>
-                <a:srgbClr val="000000"/>
-              </a:solidFill>
+            <a:endParaRPr b="0" lang="en-US" sz="3200" spc="-1" strike="noStrike">
               <a:latin typeface="Arial"/>
             </a:endParaRPr>
           </a:p>
@@ -2951,10 +2775,7 @@
             <a:normAutofit/>
           </a:bodyPr>
           <a:p>
-            <a:endParaRPr b="0" lang="en-US" sz="2800" spc="-1" strike="noStrike">
-              <a:solidFill>
-                <a:srgbClr val="000000"/>
-              </a:solidFill>
+            <a:endParaRPr b="0" lang="en-US" sz="3200" spc="-1" strike="noStrike">
               <a:latin typeface="Arial"/>
             </a:endParaRPr>
           </a:p>
@@ -3006,10 +2827,8 @@
             <a:noAutofit/>
           </a:bodyPr>
           <a:p>
-            <a:endParaRPr b="0" lang="en-US" sz="1800" spc="-1" strike="noStrike">
-              <a:solidFill>
-                <a:srgbClr val="000000"/>
-              </a:solidFill>
+            <a:pPr algn="ctr"/>
+            <a:endParaRPr b="0" lang="en-US" sz="4400" spc="-1" strike="noStrike">
               <a:latin typeface="Arial"/>
             </a:endParaRPr>
           </a:p>
@@ -3039,10 +2858,7 @@
             <a:normAutofit/>
           </a:bodyPr>
           <a:p>
-            <a:endParaRPr b="0" lang="en-US" sz="2800" spc="-1" strike="noStrike">
-              <a:solidFill>
-                <a:srgbClr val="000000"/>
-              </a:solidFill>
+            <a:endParaRPr b="0" lang="en-US" sz="3200" spc="-1" strike="noStrike">
               <a:latin typeface="Arial"/>
             </a:endParaRPr>
           </a:p>
@@ -3072,10 +2888,7 @@
             <a:normAutofit/>
           </a:bodyPr>
           <a:p>
-            <a:endParaRPr b="0" lang="en-US" sz="2800" spc="-1" strike="noStrike">
-              <a:solidFill>
-                <a:srgbClr val="000000"/>
-              </a:solidFill>
+            <a:endParaRPr b="0" lang="en-US" sz="3200" spc="-1" strike="noStrike">
               <a:latin typeface="Arial"/>
             </a:endParaRPr>
           </a:p>
@@ -3105,10 +2918,7 @@
             <a:normAutofit/>
           </a:bodyPr>
           <a:p>
-            <a:endParaRPr b="0" lang="en-US" sz="2800" spc="-1" strike="noStrike">
-              <a:solidFill>
-                <a:srgbClr val="000000"/>
-              </a:solidFill>
+            <a:endParaRPr b="0" lang="en-US" sz="3200" spc="-1" strike="noStrike">
               <a:latin typeface="Arial"/>
             </a:endParaRPr>
           </a:p>
@@ -3160,10 +2970,8 @@
             <a:noAutofit/>
           </a:bodyPr>
           <a:p>
-            <a:endParaRPr b="0" lang="en-US" sz="1800" spc="-1" strike="noStrike">
-              <a:solidFill>
-                <a:srgbClr val="000000"/>
-              </a:solidFill>
+            <a:pPr algn="ctr"/>
+            <a:endParaRPr b="0" lang="en-US" sz="4400" spc="-1" strike="noStrike">
               <a:latin typeface="Arial"/>
             </a:endParaRPr>
           </a:p>
@@ -3193,10 +3001,7 @@
             <a:normAutofit/>
           </a:bodyPr>
           <a:p>
-            <a:endParaRPr b="0" lang="en-US" sz="2800" spc="-1" strike="noStrike">
-              <a:solidFill>
-                <a:srgbClr val="000000"/>
-              </a:solidFill>
+            <a:endParaRPr b="0" lang="en-US" sz="3200" spc="-1" strike="noStrike">
               <a:latin typeface="Arial"/>
             </a:endParaRPr>
           </a:p>
@@ -3226,10 +3031,7 @@
             <a:normAutofit/>
           </a:bodyPr>
           <a:p>
-            <a:endParaRPr b="0" lang="en-US" sz="2800" spc="-1" strike="noStrike">
-              <a:solidFill>
-                <a:srgbClr val="000000"/>
-              </a:solidFill>
+            <a:endParaRPr b="0" lang="en-US" sz="3200" spc="-1" strike="noStrike">
               <a:latin typeface="Arial"/>
             </a:endParaRPr>
           </a:p>
@@ -3281,10 +3083,8 @@
             <a:noAutofit/>
           </a:bodyPr>
           <a:p>
-            <a:endParaRPr b="0" lang="en-US" sz="1800" spc="-1" strike="noStrike">
-              <a:solidFill>
-                <a:srgbClr val="000000"/>
-              </a:solidFill>
+            <a:pPr algn="ctr"/>
+            <a:endParaRPr b="0" lang="en-US" sz="4400" spc="-1" strike="noStrike">
               <a:latin typeface="Arial"/>
             </a:endParaRPr>
           </a:p>
@@ -3314,10 +3114,7 @@
             <a:normAutofit/>
           </a:bodyPr>
           <a:p>
-            <a:endParaRPr b="0" lang="en-US" sz="2800" spc="-1" strike="noStrike">
-              <a:solidFill>
-                <a:srgbClr val="000000"/>
-              </a:solidFill>
+            <a:endParaRPr b="0" lang="en-US" sz="3200" spc="-1" strike="noStrike">
               <a:latin typeface="Arial"/>
             </a:endParaRPr>
           </a:p>
@@ -3347,10 +3144,7 @@
             <a:normAutofit/>
           </a:bodyPr>
           <a:p>
-            <a:endParaRPr b="0" lang="en-US" sz="2800" spc="-1" strike="noStrike">
-              <a:solidFill>
-                <a:srgbClr val="000000"/>
-              </a:solidFill>
+            <a:endParaRPr b="0" lang="en-US" sz="3200" spc="-1" strike="noStrike">
               <a:latin typeface="Arial"/>
             </a:endParaRPr>
           </a:p>
@@ -3380,10 +3174,7 @@
             <a:normAutofit/>
           </a:bodyPr>
           <a:p>
-            <a:endParaRPr b="0" lang="en-US" sz="2800" spc="-1" strike="noStrike">
-              <a:solidFill>
-                <a:srgbClr val="000000"/>
-              </a:solidFill>
+            <a:endParaRPr b="0" lang="en-US" sz="3200" spc="-1" strike="noStrike">
               <a:latin typeface="Arial"/>
             </a:endParaRPr>
           </a:p>
@@ -3413,10 +3204,7 @@
             <a:normAutofit/>
           </a:bodyPr>
           <a:p>
-            <a:endParaRPr b="0" lang="en-US" sz="2800" spc="-1" strike="noStrike">
-              <a:solidFill>
-                <a:srgbClr val="000000"/>
-              </a:solidFill>
+            <a:endParaRPr b="0" lang="en-US" sz="3200" spc="-1" strike="noStrike">
               <a:latin typeface="Arial"/>
             </a:endParaRPr>
           </a:p>
@@ -3468,10 +3256,8 @@
             <a:noAutofit/>
           </a:bodyPr>
           <a:p>
-            <a:endParaRPr b="0" lang="en-US" sz="1800" spc="-1" strike="noStrike">
-              <a:solidFill>
-                <a:srgbClr val="000000"/>
-              </a:solidFill>
+            <a:pPr algn="ctr"/>
+            <a:endParaRPr b="0" lang="en-US" sz="4400" spc="-1" strike="noStrike">
               <a:latin typeface="Arial"/>
             </a:endParaRPr>
           </a:p>
@@ -3501,10 +3287,7 @@
             <a:normAutofit/>
           </a:bodyPr>
           <a:p>
-            <a:endParaRPr b="0" lang="en-US" sz="2800" spc="-1" strike="noStrike">
-              <a:solidFill>
-                <a:srgbClr val="000000"/>
-              </a:solidFill>
+            <a:endParaRPr b="0" lang="en-US" sz="3200" spc="-1" strike="noStrike">
               <a:latin typeface="Arial"/>
             </a:endParaRPr>
           </a:p>
@@ -3534,10 +3317,7 @@
             <a:normAutofit/>
           </a:bodyPr>
           <a:p>
-            <a:endParaRPr b="0" lang="en-US" sz="2800" spc="-1" strike="noStrike">
-              <a:solidFill>
-                <a:srgbClr val="000000"/>
-              </a:solidFill>
+            <a:endParaRPr b="0" lang="en-US" sz="3200" spc="-1" strike="noStrike">
               <a:latin typeface="Arial"/>
             </a:endParaRPr>
           </a:p>
@@ -3567,10 +3347,7 @@
             <a:normAutofit/>
           </a:bodyPr>
           <a:p>
-            <a:endParaRPr b="0" lang="en-US" sz="2800" spc="-1" strike="noStrike">
-              <a:solidFill>
-                <a:srgbClr val="000000"/>
-              </a:solidFill>
+            <a:endParaRPr b="0" lang="en-US" sz="3200" spc="-1" strike="noStrike">
               <a:latin typeface="Arial"/>
             </a:endParaRPr>
           </a:p>
@@ -3600,10 +3377,7 @@
             <a:normAutofit/>
           </a:bodyPr>
           <a:p>
-            <a:endParaRPr b="0" lang="en-US" sz="2800" spc="-1" strike="noStrike">
-              <a:solidFill>
-                <a:srgbClr val="000000"/>
-              </a:solidFill>
+            <a:endParaRPr b="0" lang="en-US" sz="3200" spc="-1" strike="noStrike">
               <a:latin typeface="Arial"/>
             </a:endParaRPr>
           </a:p>
@@ -3633,10 +3407,7 @@
             <a:normAutofit/>
           </a:bodyPr>
           <a:p>
-            <a:endParaRPr b="0" lang="en-US" sz="2800" spc="-1" strike="noStrike">
-              <a:solidFill>
-                <a:srgbClr val="000000"/>
-              </a:solidFill>
+            <a:endParaRPr b="0" lang="en-US" sz="3200" spc="-1" strike="noStrike">
               <a:latin typeface="Arial"/>
             </a:endParaRPr>
           </a:p>
@@ -3666,10 +3437,7 @@
             <a:normAutofit/>
           </a:bodyPr>
           <a:p>
-            <a:endParaRPr b="0" lang="en-US" sz="2800" spc="-1" strike="noStrike">
-              <a:solidFill>
-                <a:srgbClr val="000000"/>
-              </a:solidFill>
+            <a:endParaRPr b="0" lang="en-US" sz="3200" spc="-1" strike="noStrike">
               <a:latin typeface="Arial"/>
             </a:endParaRPr>
           </a:p>
@@ -3743,10 +3511,8 @@
             <a:noAutofit/>
           </a:bodyPr>
           <a:p>
-            <a:endParaRPr b="0" lang="en-US" sz="1800" spc="-1" strike="noStrike">
-              <a:solidFill>
-                <a:srgbClr val="000000"/>
-              </a:solidFill>
+            <a:pPr algn="ctr"/>
+            <a:endParaRPr b="0" lang="en-US" sz="4400" spc="-1" strike="noStrike">
               <a:latin typeface="Arial"/>
             </a:endParaRPr>
           </a:p>
@@ -3829,10 +3595,8 @@
             <a:noAutofit/>
           </a:bodyPr>
           <a:p>
-            <a:endParaRPr b="0" lang="en-US" sz="1800" spc="-1" strike="noStrike">
-              <a:solidFill>
-                <a:srgbClr val="000000"/>
-              </a:solidFill>
+            <a:pPr algn="ctr"/>
+            <a:endParaRPr b="0" lang="en-US" sz="4400" spc="-1" strike="noStrike">
               <a:latin typeface="Arial"/>
             </a:endParaRPr>
           </a:p>
@@ -3862,10 +3626,7 @@
             <a:normAutofit/>
           </a:bodyPr>
           <a:p>
-            <a:endParaRPr b="0" lang="en-US" sz="2800" spc="-1" strike="noStrike">
-              <a:solidFill>
-                <a:srgbClr val="000000"/>
-              </a:solidFill>
+            <a:endParaRPr b="0" lang="en-US" sz="3200" spc="-1" strike="noStrike">
               <a:latin typeface="Arial"/>
             </a:endParaRPr>
           </a:p>
@@ -3917,10 +3678,8 @@
             <a:noAutofit/>
           </a:bodyPr>
           <a:p>
-            <a:endParaRPr b="0" lang="en-US" sz="1800" spc="-1" strike="noStrike">
-              <a:solidFill>
-                <a:srgbClr val="000000"/>
-              </a:solidFill>
+            <a:pPr algn="ctr"/>
+            <a:endParaRPr b="0" lang="en-US" sz="4400" spc="-1" strike="noStrike">
               <a:latin typeface="Arial"/>
             </a:endParaRPr>
           </a:p>
@@ -3950,10 +3709,7 @@
             <a:normAutofit/>
           </a:bodyPr>
           <a:p>
-            <a:endParaRPr b="0" lang="en-US" sz="2800" spc="-1" strike="noStrike">
-              <a:solidFill>
-                <a:srgbClr val="000000"/>
-              </a:solidFill>
+            <a:endParaRPr b="0" lang="en-US" sz="3200" spc="-1" strike="noStrike">
               <a:latin typeface="Arial"/>
             </a:endParaRPr>
           </a:p>
@@ -3983,10 +3739,7 @@
             <a:normAutofit/>
           </a:bodyPr>
           <a:p>
-            <a:endParaRPr b="0" lang="en-US" sz="2800" spc="-1" strike="noStrike">
-              <a:solidFill>
-                <a:srgbClr val="000000"/>
-              </a:solidFill>
+            <a:endParaRPr b="0" lang="en-US" sz="3200" spc="-1" strike="noStrike">
               <a:latin typeface="Arial"/>
             </a:endParaRPr>
           </a:p>
@@ -4038,10 +3791,8 @@
             <a:noAutofit/>
           </a:bodyPr>
           <a:p>
-            <a:endParaRPr b="0" lang="en-US" sz="1800" spc="-1" strike="noStrike">
-              <a:solidFill>
-                <a:srgbClr val="000000"/>
-              </a:solidFill>
+            <a:pPr algn="ctr"/>
+            <a:endParaRPr b="0" lang="en-US" sz="4400" spc="-1" strike="noStrike">
               <a:latin typeface="Arial"/>
             </a:endParaRPr>
           </a:p>
@@ -4071,10 +3822,7 @@
             <a:normAutofit/>
           </a:bodyPr>
           <a:p>
-            <a:endParaRPr b="0" lang="en-US" sz="2800" spc="-1" strike="noStrike">
-              <a:solidFill>
-                <a:srgbClr val="000000"/>
-              </a:solidFill>
+            <a:endParaRPr b="0" lang="en-US" sz="3200" spc="-1" strike="noStrike">
               <a:latin typeface="Arial"/>
             </a:endParaRPr>
           </a:p>
@@ -4104,10 +3852,7 @@
             <a:normAutofit/>
           </a:bodyPr>
           <a:p>
-            <a:endParaRPr b="0" lang="en-US" sz="2800" spc="-1" strike="noStrike">
-              <a:solidFill>
-                <a:srgbClr val="000000"/>
-              </a:solidFill>
+            <a:endParaRPr b="0" lang="en-US" sz="3200" spc="-1" strike="noStrike">
               <a:latin typeface="Arial"/>
             </a:endParaRPr>
           </a:p>
@@ -4159,10 +3904,8 @@
             <a:noAutofit/>
           </a:bodyPr>
           <a:p>
-            <a:endParaRPr b="0" lang="en-US" sz="1800" spc="-1" strike="noStrike">
-              <a:solidFill>
-                <a:srgbClr val="000000"/>
-              </a:solidFill>
+            <a:pPr algn="ctr"/>
+            <a:endParaRPr b="0" lang="en-US" sz="4400" spc="-1" strike="noStrike">
               <a:latin typeface="Arial"/>
             </a:endParaRPr>
           </a:p>
@@ -4267,10 +4010,8 @@
             <a:noAutofit/>
           </a:bodyPr>
           <a:p>
-            <a:endParaRPr b="0" lang="en-US" sz="1800" spc="-1" strike="noStrike">
-              <a:solidFill>
-                <a:srgbClr val="000000"/>
-              </a:solidFill>
+            <a:pPr algn="ctr"/>
+            <a:endParaRPr b="0" lang="en-US" sz="4400" spc="-1" strike="noStrike">
               <a:latin typeface="Arial"/>
             </a:endParaRPr>
           </a:p>
@@ -4300,10 +4041,7 @@
             <a:normAutofit/>
           </a:bodyPr>
           <a:p>
-            <a:endParaRPr b="0" lang="en-US" sz="2800" spc="-1" strike="noStrike">
-              <a:solidFill>
-                <a:srgbClr val="000000"/>
-              </a:solidFill>
+            <a:endParaRPr b="0" lang="en-US" sz="3200" spc="-1" strike="noStrike">
               <a:latin typeface="Arial"/>
             </a:endParaRPr>
           </a:p>
@@ -4333,10 +4071,7 @@
             <a:normAutofit/>
           </a:bodyPr>
           <a:p>
-            <a:endParaRPr b="0" lang="en-US" sz="2800" spc="-1" strike="noStrike">
-              <a:solidFill>
-                <a:srgbClr val="000000"/>
-              </a:solidFill>
+            <a:endParaRPr b="0" lang="en-US" sz="3200" spc="-1" strike="noStrike">
               <a:latin typeface="Arial"/>
             </a:endParaRPr>
           </a:p>
@@ -4366,10 +4101,7 @@
             <a:normAutofit/>
           </a:bodyPr>
           <a:p>
-            <a:endParaRPr b="0" lang="en-US" sz="2800" spc="-1" strike="noStrike">
-              <a:solidFill>
-                <a:srgbClr val="000000"/>
-              </a:solidFill>
+            <a:endParaRPr b="0" lang="en-US" sz="3200" spc="-1" strike="noStrike">
               <a:latin typeface="Arial"/>
             </a:endParaRPr>
           </a:p>
@@ -4421,10 +4153,8 @@
             <a:noAutofit/>
           </a:bodyPr>
           <a:p>
-            <a:endParaRPr b="0" lang="en-US" sz="1800" spc="-1" strike="noStrike">
-              <a:solidFill>
-                <a:srgbClr val="000000"/>
-              </a:solidFill>
+            <a:pPr algn="ctr"/>
+            <a:endParaRPr b="0" lang="en-US" sz="4400" spc="-1" strike="noStrike">
               <a:latin typeface="Arial"/>
             </a:endParaRPr>
           </a:p>
@@ -4454,10 +4184,7 @@
             <a:normAutofit/>
           </a:bodyPr>
           <a:p>
-            <a:endParaRPr b="0" lang="en-US" sz="2800" spc="-1" strike="noStrike">
-              <a:solidFill>
-                <a:srgbClr val="000000"/>
-              </a:solidFill>
+            <a:endParaRPr b="0" lang="en-US" sz="3200" spc="-1" strike="noStrike">
               <a:latin typeface="Arial"/>
             </a:endParaRPr>
           </a:p>
@@ -4487,10 +4214,7 @@
             <a:normAutofit/>
           </a:bodyPr>
           <a:p>
-            <a:endParaRPr b="0" lang="en-US" sz="2800" spc="-1" strike="noStrike">
-              <a:solidFill>
-                <a:srgbClr val="000000"/>
-              </a:solidFill>
+            <a:endParaRPr b="0" lang="en-US" sz="3200" spc="-1" strike="noStrike">
               <a:latin typeface="Arial"/>
             </a:endParaRPr>
           </a:p>
@@ -4520,10 +4244,7 @@
             <a:normAutofit/>
           </a:bodyPr>
           <a:p>
-            <a:endParaRPr b="0" lang="en-US" sz="2800" spc="-1" strike="noStrike">
-              <a:solidFill>
-                <a:srgbClr val="000000"/>
-              </a:solidFill>
+            <a:endParaRPr b="0" lang="en-US" sz="3200" spc="-1" strike="noStrike">
               <a:latin typeface="Arial"/>
             </a:endParaRPr>
           </a:p>
@@ -4575,10 +4296,8 @@
             <a:noAutofit/>
           </a:bodyPr>
           <a:p>
-            <a:endParaRPr b="0" lang="en-US" sz="1800" spc="-1" strike="noStrike">
-              <a:solidFill>
-                <a:srgbClr val="000000"/>
-              </a:solidFill>
+            <a:pPr algn="ctr"/>
+            <a:endParaRPr b="0" lang="en-US" sz="4400" spc="-1" strike="noStrike">
               <a:latin typeface="Arial"/>
             </a:endParaRPr>
           </a:p>
@@ -4608,10 +4327,7 @@
             <a:normAutofit/>
           </a:bodyPr>
           <a:p>
-            <a:endParaRPr b="0" lang="en-US" sz="2800" spc="-1" strike="noStrike">
-              <a:solidFill>
-                <a:srgbClr val="000000"/>
-              </a:solidFill>
+            <a:endParaRPr b="0" lang="en-US" sz="3200" spc="-1" strike="noStrike">
               <a:latin typeface="Arial"/>
             </a:endParaRPr>
           </a:p>
@@ -4641,10 +4357,7 @@
             <a:normAutofit/>
           </a:bodyPr>
           <a:p>
-            <a:endParaRPr b="0" lang="en-US" sz="2800" spc="-1" strike="noStrike">
-              <a:solidFill>
-                <a:srgbClr val="000000"/>
-              </a:solidFill>
+            <a:endParaRPr b="0" lang="en-US" sz="3200" spc="-1" strike="noStrike">
               <a:latin typeface="Arial"/>
             </a:endParaRPr>
           </a:p>
@@ -4674,10 +4387,7 @@
             <a:normAutofit/>
           </a:bodyPr>
           <a:p>
-            <a:endParaRPr b="0" lang="en-US" sz="2800" spc="-1" strike="noStrike">
-              <a:solidFill>
-                <a:srgbClr val="000000"/>
-              </a:solidFill>
+            <a:endParaRPr b="0" lang="en-US" sz="3200" spc="-1" strike="noStrike">
               <a:latin typeface="Arial"/>
             </a:endParaRPr>
           </a:p>
@@ -4729,10 +4439,8 @@
             <a:noAutofit/>
           </a:bodyPr>
           <a:p>
-            <a:endParaRPr b="0" lang="en-US" sz="1800" spc="-1" strike="noStrike">
-              <a:solidFill>
-                <a:srgbClr val="000000"/>
-              </a:solidFill>
+            <a:pPr algn="ctr"/>
+            <a:endParaRPr b="0" lang="en-US" sz="4400" spc="-1" strike="noStrike">
               <a:latin typeface="Arial"/>
             </a:endParaRPr>
           </a:p>
@@ -4762,10 +4470,7 @@
             <a:normAutofit/>
           </a:bodyPr>
           <a:p>
-            <a:endParaRPr b="0" lang="en-US" sz="2800" spc="-1" strike="noStrike">
-              <a:solidFill>
-                <a:srgbClr val="000000"/>
-              </a:solidFill>
+            <a:endParaRPr b="0" lang="en-US" sz="3200" spc="-1" strike="noStrike">
               <a:latin typeface="Arial"/>
             </a:endParaRPr>
           </a:p>
@@ -4795,10 +4500,7 @@
             <a:normAutofit/>
           </a:bodyPr>
           <a:p>
-            <a:endParaRPr b="0" lang="en-US" sz="2800" spc="-1" strike="noStrike">
-              <a:solidFill>
-                <a:srgbClr val="000000"/>
-              </a:solidFill>
+            <a:endParaRPr b="0" lang="en-US" sz="3200" spc="-1" strike="noStrike">
               <a:latin typeface="Arial"/>
             </a:endParaRPr>
           </a:p>
@@ -4850,10 +4552,8 @@
             <a:noAutofit/>
           </a:bodyPr>
           <a:p>
-            <a:endParaRPr b="0" lang="en-US" sz="1800" spc="-1" strike="noStrike">
-              <a:solidFill>
-                <a:srgbClr val="000000"/>
-              </a:solidFill>
+            <a:pPr algn="ctr"/>
+            <a:endParaRPr b="0" lang="en-US" sz="4400" spc="-1" strike="noStrike">
               <a:latin typeface="Arial"/>
             </a:endParaRPr>
           </a:p>
@@ -4883,10 +4583,7 @@
             <a:normAutofit/>
           </a:bodyPr>
           <a:p>
-            <a:endParaRPr b="0" lang="en-US" sz="2800" spc="-1" strike="noStrike">
-              <a:solidFill>
-                <a:srgbClr val="000000"/>
-              </a:solidFill>
+            <a:endParaRPr b="0" lang="en-US" sz="3200" spc="-1" strike="noStrike">
               <a:latin typeface="Arial"/>
             </a:endParaRPr>
           </a:p>
@@ -4916,10 +4613,7 @@
             <a:normAutofit/>
           </a:bodyPr>
           <a:p>
-            <a:endParaRPr b="0" lang="en-US" sz="2800" spc="-1" strike="noStrike">
-              <a:solidFill>
-                <a:srgbClr val="000000"/>
-              </a:solidFill>
+            <a:endParaRPr b="0" lang="en-US" sz="3200" spc="-1" strike="noStrike">
               <a:latin typeface="Arial"/>
             </a:endParaRPr>
           </a:p>
@@ -4949,10 +4643,7 @@
             <a:normAutofit/>
           </a:bodyPr>
           <a:p>
-            <a:endParaRPr b="0" lang="en-US" sz="2800" spc="-1" strike="noStrike">
-              <a:solidFill>
-                <a:srgbClr val="000000"/>
-              </a:solidFill>
+            <a:endParaRPr b="0" lang="en-US" sz="3200" spc="-1" strike="noStrike">
               <a:latin typeface="Arial"/>
             </a:endParaRPr>
           </a:p>
@@ -4982,10 +4673,7 @@
             <a:normAutofit/>
           </a:bodyPr>
           <a:p>
-            <a:endParaRPr b="0" lang="en-US" sz="2800" spc="-1" strike="noStrike">
-              <a:solidFill>
-                <a:srgbClr val="000000"/>
-              </a:solidFill>
+            <a:endParaRPr b="0" lang="en-US" sz="3200" spc="-1" strike="noStrike">
               <a:latin typeface="Arial"/>
             </a:endParaRPr>
           </a:p>
@@ -5037,10 +4725,8 @@
             <a:noAutofit/>
           </a:bodyPr>
           <a:p>
-            <a:endParaRPr b="0" lang="en-US" sz="1800" spc="-1" strike="noStrike">
-              <a:solidFill>
-                <a:srgbClr val="000000"/>
-              </a:solidFill>
+            <a:pPr algn="ctr"/>
+            <a:endParaRPr b="0" lang="en-US" sz="4400" spc="-1" strike="noStrike">
               <a:latin typeface="Arial"/>
             </a:endParaRPr>
           </a:p>
@@ -5070,10 +4756,7 @@
             <a:normAutofit/>
           </a:bodyPr>
           <a:p>
-            <a:endParaRPr b="0" lang="en-US" sz="2800" spc="-1" strike="noStrike">
-              <a:solidFill>
-                <a:srgbClr val="000000"/>
-              </a:solidFill>
+            <a:endParaRPr b="0" lang="en-US" sz="3200" spc="-1" strike="noStrike">
               <a:latin typeface="Arial"/>
             </a:endParaRPr>
           </a:p>
@@ -5103,10 +4786,7 @@
             <a:normAutofit/>
           </a:bodyPr>
           <a:p>
-            <a:endParaRPr b="0" lang="en-US" sz="2800" spc="-1" strike="noStrike">
-              <a:solidFill>
-                <a:srgbClr val="000000"/>
-              </a:solidFill>
+            <a:endParaRPr b="0" lang="en-US" sz="3200" spc="-1" strike="noStrike">
               <a:latin typeface="Arial"/>
             </a:endParaRPr>
           </a:p>
@@ -5136,10 +4816,7 @@
             <a:normAutofit/>
           </a:bodyPr>
           <a:p>
-            <a:endParaRPr b="0" lang="en-US" sz="2800" spc="-1" strike="noStrike">
-              <a:solidFill>
-                <a:srgbClr val="000000"/>
-              </a:solidFill>
+            <a:endParaRPr b="0" lang="en-US" sz="3200" spc="-1" strike="noStrike">
               <a:latin typeface="Arial"/>
             </a:endParaRPr>
           </a:p>
@@ -5169,10 +4846,7 @@
             <a:normAutofit/>
           </a:bodyPr>
           <a:p>
-            <a:endParaRPr b="0" lang="en-US" sz="2800" spc="-1" strike="noStrike">
-              <a:solidFill>
-                <a:srgbClr val="000000"/>
-              </a:solidFill>
+            <a:endParaRPr b="0" lang="en-US" sz="3200" spc="-1" strike="noStrike">
               <a:latin typeface="Arial"/>
             </a:endParaRPr>
           </a:p>
@@ -5202,10 +4876,7 @@
             <a:normAutofit/>
           </a:bodyPr>
           <a:p>
-            <a:endParaRPr b="0" lang="en-US" sz="2800" spc="-1" strike="noStrike">
-              <a:solidFill>
-                <a:srgbClr val="000000"/>
-              </a:solidFill>
+            <a:endParaRPr b="0" lang="en-US" sz="3200" spc="-1" strike="noStrike">
               <a:latin typeface="Arial"/>
             </a:endParaRPr>
           </a:p>
@@ -5235,10 +4906,7 @@
             <a:normAutofit/>
           </a:bodyPr>
           <a:p>
-            <a:endParaRPr b="0" lang="en-US" sz="2800" spc="-1" strike="noStrike">
-              <a:solidFill>
-                <a:srgbClr val="000000"/>
-              </a:solidFill>
+            <a:endParaRPr b="0" lang="en-US" sz="3200" spc="-1" strike="noStrike">
               <a:latin typeface="Arial"/>
             </a:endParaRPr>
           </a:p>
@@ -5312,10 +4980,8 @@
             <a:noAutofit/>
           </a:bodyPr>
           <a:p>
-            <a:endParaRPr b="0" lang="en-US" sz="1800" spc="-1" strike="noStrike">
-              <a:solidFill>
-                <a:srgbClr val="000000"/>
-              </a:solidFill>
+            <a:pPr algn="ctr"/>
+            <a:endParaRPr b="0" lang="en-US" sz="4400" spc="-1" strike="noStrike">
               <a:latin typeface="Arial"/>
             </a:endParaRPr>
           </a:p>
@@ -5367,10 +5033,8 @@
             <a:noAutofit/>
           </a:bodyPr>
           <a:p>
-            <a:endParaRPr b="0" lang="en-US" sz="1800" spc="-1" strike="noStrike">
-              <a:solidFill>
-                <a:srgbClr val="000000"/>
-              </a:solidFill>
+            <a:pPr algn="ctr"/>
+            <a:endParaRPr b="0" lang="en-US" sz="4400" spc="-1" strike="noStrike">
               <a:latin typeface="Arial"/>
             </a:endParaRPr>
           </a:p>
@@ -5453,10 +5117,8 @@
             <a:noAutofit/>
           </a:bodyPr>
           <a:p>
-            <a:endParaRPr b="0" lang="en-US" sz="1800" spc="-1" strike="noStrike">
-              <a:solidFill>
-                <a:srgbClr val="000000"/>
-              </a:solidFill>
+            <a:pPr algn="ctr"/>
+            <a:endParaRPr b="0" lang="en-US" sz="4400" spc="-1" strike="noStrike">
               <a:latin typeface="Arial"/>
             </a:endParaRPr>
           </a:p>
@@ -5486,10 +5148,7 @@
             <a:normAutofit/>
           </a:bodyPr>
           <a:p>
-            <a:endParaRPr b="0" lang="en-US" sz="2800" spc="-1" strike="noStrike">
-              <a:solidFill>
-                <a:srgbClr val="000000"/>
-              </a:solidFill>
+            <a:endParaRPr b="0" lang="en-US" sz="3200" spc="-1" strike="noStrike">
               <a:latin typeface="Arial"/>
             </a:endParaRPr>
           </a:p>
@@ -5541,10 +5200,8 @@
             <a:noAutofit/>
           </a:bodyPr>
           <a:p>
-            <a:endParaRPr b="0" lang="en-US" sz="1800" spc="-1" strike="noStrike">
-              <a:solidFill>
-                <a:srgbClr val="000000"/>
-              </a:solidFill>
+            <a:pPr algn="ctr"/>
+            <a:endParaRPr b="0" lang="en-US" sz="4400" spc="-1" strike="noStrike">
               <a:latin typeface="Arial"/>
             </a:endParaRPr>
           </a:p>
@@ -5574,10 +5231,7 @@
             <a:normAutofit/>
           </a:bodyPr>
           <a:p>
-            <a:endParaRPr b="0" lang="en-US" sz="2800" spc="-1" strike="noStrike">
-              <a:solidFill>
-                <a:srgbClr val="000000"/>
-              </a:solidFill>
+            <a:endParaRPr b="0" lang="en-US" sz="3200" spc="-1" strike="noStrike">
               <a:latin typeface="Arial"/>
             </a:endParaRPr>
           </a:p>
@@ -5607,10 +5261,7 @@
             <a:normAutofit/>
           </a:bodyPr>
           <a:p>
-            <a:endParaRPr b="0" lang="en-US" sz="2800" spc="-1" strike="noStrike">
-              <a:solidFill>
-                <a:srgbClr val="000000"/>
-              </a:solidFill>
+            <a:endParaRPr b="0" lang="en-US" sz="3200" spc="-1" strike="noStrike">
               <a:latin typeface="Arial"/>
             </a:endParaRPr>
           </a:p>
@@ -5662,10 +5313,8 @@
             <a:noAutofit/>
           </a:bodyPr>
           <a:p>
-            <a:endParaRPr b="0" lang="en-US" sz="1800" spc="-1" strike="noStrike">
-              <a:solidFill>
-                <a:srgbClr val="000000"/>
-              </a:solidFill>
+            <a:pPr algn="ctr"/>
+            <a:endParaRPr b="0" lang="en-US" sz="4400" spc="-1" strike="noStrike">
               <a:latin typeface="Arial"/>
             </a:endParaRPr>
           </a:p>
@@ -5770,10 +5419,8 @@
             <a:noAutofit/>
           </a:bodyPr>
           <a:p>
-            <a:endParaRPr b="0" lang="en-US" sz="1800" spc="-1" strike="noStrike">
-              <a:solidFill>
-                <a:srgbClr val="000000"/>
-              </a:solidFill>
+            <a:pPr algn="ctr"/>
+            <a:endParaRPr b="0" lang="en-US" sz="4400" spc="-1" strike="noStrike">
               <a:latin typeface="Arial"/>
             </a:endParaRPr>
           </a:p>
@@ -5803,10 +5450,7 @@
             <a:normAutofit/>
           </a:bodyPr>
           <a:p>
-            <a:endParaRPr b="0" lang="en-US" sz="2800" spc="-1" strike="noStrike">
-              <a:solidFill>
-                <a:srgbClr val="000000"/>
-              </a:solidFill>
+            <a:endParaRPr b="0" lang="en-US" sz="3200" spc="-1" strike="noStrike">
               <a:latin typeface="Arial"/>
             </a:endParaRPr>
           </a:p>
@@ -5836,10 +5480,7 @@
             <a:normAutofit/>
           </a:bodyPr>
           <a:p>
-            <a:endParaRPr b="0" lang="en-US" sz="2800" spc="-1" strike="noStrike">
-              <a:solidFill>
-                <a:srgbClr val="000000"/>
-              </a:solidFill>
+            <a:endParaRPr b="0" lang="en-US" sz="3200" spc="-1" strike="noStrike">
               <a:latin typeface="Arial"/>
             </a:endParaRPr>
           </a:p>
@@ -5869,10 +5510,7 @@
             <a:normAutofit/>
           </a:bodyPr>
           <a:p>
-            <a:endParaRPr b="0" lang="en-US" sz="2800" spc="-1" strike="noStrike">
-              <a:solidFill>
-                <a:srgbClr val="000000"/>
-              </a:solidFill>
+            <a:endParaRPr b="0" lang="en-US" sz="3200" spc="-1" strike="noStrike">
               <a:latin typeface="Arial"/>
             </a:endParaRPr>
           </a:p>
@@ -5924,10 +5562,8 @@
             <a:noAutofit/>
           </a:bodyPr>
           <a:p>
-            <a:endParaRPr b="0" lang="en-US" sz="1800" spc="-1" strike="noStrike">
-              <a:solidFill>
-                <a:srgbClr val="000000"/>
-              </a:solidFill>
+            <a:pPr algn="ctr"/>
+            <a:endParaRPr b="0" lang="en-US" sz="4400" spc="-1" strike="noStrike">
               <a:latin typeface="Arial"/>
             </a:endParaRPr>
           </a:p>
@@ -5957,10 +5593,7 @@
             <a:normAutofit/>
           </a:bodyPr>
           <a:p>
-            <a:endParaRPr b="0" lang="en-US" sz="2800" spc="-1" strike="noStrike">
-              <a:solidFill>
-                <a:srgbClr val="000000"/>
-              </a:solidFill>
+            <a:endParaRPr b="0" lang="en-US" sz="3200" spc="-1" strike="noStrike">
               <a:latin typeface="Arial"/>
             </a:endParaRPr>
           </a:p>
@@ -5990,10 +5623,7 @@
             <a:normAutofit/>
           </a:bodyPr>
           <a:p>
-            <a:endParaRPr b="0" lang="en-US" sz="2800" spc="-1" strike="noStrike">
-              <a:solidFill>
-                <a:srgbClr val="000000"/>
-              </a:solidFill>
+            <a:endParaRPr b="0" lang="en-US" sz="3200" spc="-1" strike="noStrike">
               <a:latin typeface="Arial"/>
             </a:endParaRPr>
           </a:p>
@@ -6023,10 +5653,7 @@
             <a:normAutofit/>
           </a:bodyPr>
           <a:p>
-            <a:endParaRPr b="0" lang="en-US" sz="2800" spc="-1" strike="noStrike">
-              <a:solidFill>
-                <a:srgbClr val="000000"/>
-              </a:solidFill>
+            <a:endParaRPr b="0" lang="en-US" sz="3200" spc="-1" strike="noStrike">
               <a:latin typeface="Arial"/>
             </a:endParaRPr>
           </a:p>
@@ -6078,10 +5705,8 @@
             <a:noAutofit/>
           </a:bodyPr>
           <a:p>
-            <a:endParaRPr b="0" lang="en-US" sz="1800" spc="-1" strike="noStrike">
-              <a:solidFill>
-                <a:srgbClr val="000000"/>
-              </a:solidFill>
+            <a:pPr algn="ctr"/>
+            <a:endParaRPr b="0" lang="en-US" sz="4400" spc="-1" strike="noStrike">
               <a:latin typeface="Arial"/>
             </a:endParaRPr>
           </a:p>
@@ -6111,10 +5736,7 @@
             <a:normAutofit/>
           </a:bodyPr>
           <a:p>
-            <a:endParaRPr b="0" lang="en-US" sz="2800" spc="-1" strike="noStrike">
-              <a:solidFill>
-                <a:srgbClr val="000000"/>
-              </a:solidFill>
+            <a:endParaRPr b="0" lang="en-US" sz="3200" spc="-1" strike="noStrike">
               <a:latin typeface="Arial"/>
             </a:endParaRPr>
           </a:p>
@@ -6144,10 +5766,7 @@
             <a:normAutofit/>
           </a:bodyPr>
           <a:p>
-            <a:endParaRPr b="0" lang="en-US" sz="2800" spc="-1" strike="noStrike">
-              <a:solidFill>
-                <a:srgbClr val="000000"/>
-              </a:solidFill>
+            <a:endParaRPr b="0" lang="en-US" sz="3200" spc="-1" strike="noStrike">
               <a:latin typeface="Arial"/>
             </a:endParaRPr>
           </a:p>
@@ -6177,10 +5796,7 @@
             <a:normAutofit/>
           </a:bodyPr>
           <a:p>
-            <a:endParaRPr b="0" lang="en-US" sz="2800" spc="-1" strike="noStrike">
-              <a:solidFill>
-                <a:srgbClr val="000000"/>
-              </a:solidFill>
+            <a:endParaRPr b="0" lang="en-US" sz="3200" spc="-1" strike="noStrike">
               <a:latin typeface="Arial"/>
             </a:endParaRPr>
           </a:p>
@@ -6232,10 +5848,8 @@
             <a:noAutofit/>
           </a:bodyPr>
           <a:p>
-            <a:endParaRPr b="0" lang="en-US" sz="1800" spc="-1" strike="noStrike">
-              <a:solidFill>
-                <a:srgbClr val="000000"/>
-              </a:solidFill>
+            <a:pPr algn="ctr"/>
+            <a:endParaRPr b="0" lang="en-US" sz="4400" spc="-1" strike="noStrike">
               <a:latin typeface="Arial"/>
             </a:endParaRPr>
           </a:p>
@@ -6265,10 +5879,7 @@
             <a:normAutofit/>
           </a:bodyPr>
           <a:p>
-            <a:endParaRPr b="0" lang="en-US" sz="2800" spc="-1" strike="noStrike">
-              <a:solidFill>
-                <a:srgbClr val="000000"/>
-              </a:solidFill>
+            <a:endParaRPr b="0" lang="en-US" sz="3200" spc="-1" strike="noStrike">
               <a:latin typeface="Arial"/>
             </a:endParaRPr>
           </a:p>
@@ -6298,10 +5909,7 @@
             <a:normAutofit/>
           </a:bodyPr>
           <a:p>
-            <a:endParaRPr b="0" lang="en-US" sz="2800" spc="-1" strike="noStrike">
-              <a:solidFill>
-                <a:srgbClr val="000000"/>
-              </a:solidFill>
+            <a:endParaRPr b="0" lang="en-US" sz="3200" spc="-1" strike="noStrike">
               <a:latin typeface="Arial"/>
             </a:endParaRPr>
           </a:p>
@@ -6353,10 +5961,8 @@
             <a:noAutofit/>
           </a:bodyPr>
           <a:p>
-            <a:endParaRPr b="0" lang="en-US" sz="1800" spc="-1" strike="noStrike">
-              <a:solidFill>
-                <a:srgbClr val="000000"/>
-              </a:solidFill>
+            <a:pPr algn="ctr"/>
+            <a:endParaRPr b="0" lang="en-US" sz="4400" spc="-1" strike="noStrike">
               <a:latin typeface="Arial"/>
             </a:endParaRPr>
           </a:p>
@@ -6386,10 +5992,7 @@
             <a:normAutofit/>
           </a:bodyPr>
           <a:p>
-            <a:endParaRPr b="0" lang="en-US" sz="2800" spc="-1" strike="noStrike">
-              <a:solidFill>
-                <a:srgbClr val="000000"/>
-              </a:solidFill>
+            <a:endParaRPr b="0" lang="en-US" sz="3200" spc="-1" strike="noStrike">
               <a:latin typeface="Arial"/>
             </a:endParaRPr>
           </a:p>
@@ -6419,10 +6022,7 @@
             <a:normAutofit/>
           </a:bodyPr>
           <a:p>
-            <a:endParaRPr b="0" lang="en-US" sz="2800" spc="-1" strike="noStrike">
-              <a:solidFill>
-                <a:srgbClr val="000000"/>
-              </a:solidFill>
+            <a:endParaRPr b="0" lang="en-US" sz="3200" spc="-1" strike="noStrike">
               <a:latin typeface="Arial"/>
             </a:endParaRPr>
           </a:p>
@@ -6452,10 +6052,7 @@
             <a:normAutofit/>
           </a:bodyPr>
           <a:p>
-            <a:endParaRPr b="0" lang="en-US" sz="2800" spc="-1" strike="noStrike">
-              <a:solidFill>
-                <a:srgbClr val="000000"/>
-              </a:solidFill>
+            <a:endParaRPr b="0" lang="en-US" sz="3200" spc="-1" strike="noStrike">
               <a:latin typeface="Arial"/>
             </a:endParaRPr>
           </a:p>
@@ -6485,10 +6082,7 @@
             <a:normAutofit/>
           </a:bodyPr>
           <a:p>
-            <a:endParaRPr b="0" lang="en-US" sz="2800" spc="-1" strike="noStrike">
-              <a:solidFill>
-                <a:srgbClr val="000000"/>
-              </a:solidFill>
+            <a:endParaRPr b="0" lang="en-US" sz="3200" spc="-1" strike="noStrike">
               <a:latin typeface="Arial"/>
             </a:endParaRPr>
           </a:p>
@@ -6593,10 +6187,8 @@
             <a:noAutofit/>
           </a:bodyPr>
           <a:p>
-            <a:endParaRPr b="0" lang="en-US" sz="1800" spc="-1" strike="noStrike">
-              <a:solidFill>
-                <a:srgbClr val="000000"/>
-              </a:solidFill>
+            <a:pPr algn="ctr"/>
+            <a:endParaRPr b="0" lang="en-US" sz="4400" spc="-1" strike="noStrike">
               <a:latin typeface="Arial"/>
             </a:endParaRPr>
           </a:p>
@@ -6626,10 +6218,7 @@
             <a:normAutofit/>
           </a:bodyPr>
           <a:p>
-            <a:endParaRPr b="0" lang="en-US" sz="2800" spc="-1" strike="noStrike">
-              <a:solidFill>
-                <a:srgbClr val="000000"/>
-              </a:solidFill>
+            <a:endParaRPr b="0" lang="en-US" sz="3200" spc="-1" strike="noStrike">
               <a:latin typeface="Arial"/>
             </a:endParaRPr>
           </a:p>
@@ -6659,10 +6248,7 @@
             <a:normAutofit/>
           </a:bodyPr>
           <a:p>
-            <a:endParaRPr b="0" lang="en-US" sz="2800" spc="-1" strike="noStrike">
-              <a:solidFill>
-                <a:srgbClr val="000000"/>
-              </a:solidFill>
+            <a:endParaRPr b="0" lang="en-US" sz="3200" spc="-1" strike="noStrike">
               <a:latin typeface="Arial"/>
             </a:endParaRPr>
           </a:p>
@@ -6692,10 +6278,7 @@
             <a:normAutofit/>
           </a:bodyPr>
           <a:p>
-            <a:endParaRPr b="0" lang="en-US" sz="2800" spc="-1" strike="noStrike">
-              <a:solidFill>
-                <a:srgbClr val="000000"/>
-              </a:solidFill>
+            <a:endParaRPr b="0" lang="en-US" sz="3200" spc="-1" strike="noStrike">
               <a:latin typeface="Arial"/>
             </a:endParaRPr>
           </a:p>
@@ -6725,10 +6308,7 @@
             <a:normAutofit/>
           </a:bodyPr>
           <a:p>
-            <a:endParaRPr b="0" lang="en-US" sz="2800" spc="-1" strike="noStrike">
-              <a:solidFill>
-                <a:srgbClr val="000000"/>
-              </a:solidFill>
+            <a:endParaRPr b="0" lang="en-US" sz="3200" spc="-1" strike="noStrike">
               <a:latin typeface="Arial"/>
             </a:endParaRPr>
           </a:p>
@@ -6758,10 +6338,7 @@
             <a:normAutofit/>
           </a:bodyPr>
           <a:p>
-            <a:endParaRPr b="0" lang="en-US" sz="2800" spc="-1" strike="noStrike">
-              <a:solidFill>
-                <a:srgbClr val="000000"/>
-              </a:solidFill>
+            <a:endParaRPr b="0" lang="en-US" sz="3200" spc="-1" strike="noStrike">
               <a:latin typeface="Arial"/>
             </a:endParaRPr>
           </a:p>
@@ -6791,10 +6368,7 @@
             <a:normAutofit/>
           </a:bodyPr>
           <a:p>
-            <a:endParaRPr b="0" lang="en-US" sz="2800" spc="-1" strike="noStrike">
-              <a:solidFill>
-                <a:srgbClr val="000000"/>
-              </a:solidFill>
+            <a:endParaRPr b="0" lang="en-US" sz="3200" spc="-1" strike="noStrike">
               <a:latin typeface="Arial"/>
             </a:endParaRPr>
           </a:p>
@@ -6846,10 +6420,8 @@
             <a:noAutofit/>
           </a:bodyPr>
           <a:p>
-            <a:endParaRPr b="0" lang="en-US" sz="1800" spc="-1" strike="noStrike">
-              <a:solidFill>
-                <a:srgbClr val="000000"/>
-              </a:solidFill>
+            <a:pPr algn="ctr"/>
+            <a:endParaRPr b="0" lang="en-US" sz="4400" spc="-1" strike="noStrike">
               <a:latin typeface="Arial"/>
             </a:endParaRPr>
           </a:p>
@@ -6879,10 +6451,7 @@
             <a:normAutofit/>
           </a:bodyPr>
           <a:p>
-            <a:endParaRPr b="0" lang="en-US" sz="2800" spc="-1" strike="noStrike">
-              <a:solidFill>
-                <a:srgbClr val="000000"/>
-              </a:solidFill>
+            <a:endParaRPr b="0" lang="en-US" sz="3200" spc="-1" strike="noStrike">
               <a:latin typeface="Arial"/>
             </a:endParaRPr>
           </a:p>
@@ -6912,10 +6481,7 @@
             <a:normAutofit/>
           </a:bodyPr>
           <a:p>
-            <a:endParaRPr b="0" lang="en-US" sz="2800" spc="-1" strike="noStrike">
-              <a:solidFill>
-                <a:srgbClr val="000000"/>
-              </a:solidFill>
+            <a:endParaRPr b="0" lang="en-US" sz="3200" spc="-1" strike="noStrike">
               <a:latin typeface="Arial"/>
             </a:endParaRPr>
           </a:p>
@@ -6945,10 +6511,7 @@
             <a:normAutofit/>
           </a:bodyPr>
           <a:p>
-            <a:endParaRPr b="0" lang="en-US" sz="2800" spc="-1" strike="noStrike">
-              <a:solidFill>
-                <a:srgbClr val="000000"/>
-              </a:solidFill>
+            <a:endParaRPr b="0" lang="en-US" sz="3200" spc="-1" strike="noStrike">
               <a:latin typeface="Arial"/>
             </a:endParaRPr>
           </a:p>
@@ -7000,10 +6563,8 @@
             <a:noAutofit/>
           </a:bodyPr>
           <a:p>
-            <a:endParaRPr b="0" lang="en-US" sz="1800" spc="-1" strike="noStrike">
-              <a:solidFill>
-                <a:srgbClr val="000000"/>
-              </a:solidFill>
+            <a:pPr algn="ctr"/>
+            <a:endParaRPr b="0" lang="en-US" sz="4400" spc="-1" strike="noStrike">
               <a:latin typeface="Arial"/>
             </a:endParaRPr>
           </a:p>
@@ -7033,10 +6594,7 @@
             <a:normAutofit/>
           </a:bodyPr>
           <a:p>
-            <a:endParaRPr b="0" lang="en-US" sz="2800" spc="-1" strike="noStrike">
-              <a:solidFill>
-                <a:srgbClr val="000000"/>
-              </a:solidFill>
+            <a:endParaRPr b="0" lang="en-US" sz="3200" spc="-1" strike="noStrike">
               <a:latin typeface="Arial"/>
             </a:endParaRPr>
           </a:p>
@@ -7066,10 +6624,7 @@
             <a:normAutofit/>
           </a:bodyPr>
           <a:p>
-            <a:endParaRPr b="0" lang="en-US" sz="2800" spc="-1" strike="noStrike">
-              <a:solidFill>
-                <a:srgbClr val="000000"/>
-              </a:solidFill>
+            <a:endParaRPr b="0" lang="en-US" sz="3200" spc="-1" strike="noStrike">
               <a:latin typeface="Arial"/>
             </a:endParaRPr>
           </a:p>
@@ -7099,10 +6654,7 @@
             <a:normAutofit/>
           </a:bodyPr>
           <a:p>
-            <a:endParaRPr b="0" lang="en-US" sz="2800" spc="-1" strike="noStrike">
-              <a:solidFill>
-                <a:srgbClr val="000000"/>
-              </a:solidFill>
+            <a:endParaRPr b="0" lang="en-US" sz="3200" spc="-1" strike="noStrike">
               <a:latin typeface="Arial"/>
             </a:endParaRPr>
           </a:p>
@@ -7154,10 +6706,8 @@
             <a:noAutofit/>
           </a:bodyPr>
           <a:p>
-            <a:endParaRPr b="0" lang="en-US" sz="1800" spc="-1" strike="noStrike">
-              <a:solidFill>
-                <a:srgbClr val="000000"/>
-              </a:solidFill>
+            <a:pPr algn="ctr"/>
+            <a:endParaRPr b="0" lang="en-US" sz="4400" spc="-1" strike="noStrike">
               <a:latin typeface="Arial"/>
             </a:endParaRPr>
           </a:p>
@@ -7187,10 +6737,7 @@
             <a:normAutofit/>
           </a:bodyPr>
           <a:p>
-            <a:endParaRPr b="0" lang="en-US" sz="2800" spc="-1" strike="noStrike">
-              <a:solidFill>
-                <a:srgbClr val="000000"/>
-              </a:solidFill>
+            <a:endParaRPr b="0" lang="en-US" sz="3200" spc="-1" strike="noStrike">
               <a:latin typeface="Arial"/>
             </a:endParaRPr>
           </a:p>
@@ -7220,10 +6767,7 @@
             <a:normAutofit/>
           </a:bodyPr>
           <a:p>
-            <a:endParaRPr b="0" lang="en-US" sz="2800" spc="-1" strike="noStrike">
-              <a:solidFill>
-                <a:srgbClr val="000000"/>
-              </a:solidFill>
+            <a:endParaRPr b="0" lang="en-US" sz="3200" spc="-1" strike="noStrike">
               <a:latin typeface="Arial"/>
             </a:endParaRPr>
           </a:p>
@@ -7253,10 +6797,7 @@
             <a:normAutofit/>
           </a:bodyPr>
           <a:p>
-            <a:endParaRPr b="0" lang="en-US" sz="2800" spc="-1" strike="noStrike">
-              <a:solidFill>
-                <a:srgbClr val="000000"/>
-              </a:solidFill>
+            <a:endParaRPr b="0" lang="en-US" sz="3200" spc="-1" strike="noStrike">
               <a:latin typeface="Arial"/>
             </a:endParaRPr>
           </a:p>
@@ -7318,46 +6859,20 @@
             <a:noAutofit/>
           </a:bodyPr>
           <a:p>
-            <a:r>
-              <a:rPr b="0" lang="en-US" sz="1800" spc="-1" strike="noStrike">
-                <a:solidFill>
-                  <a:srgbClr val="000000"/>
-                </a:solidFill>
+            <a:pPr algn="ctr"/>
+            <a:r>
+              <a:rPr b="0" lang="en-US" sz="4400" spc="-1" strike="noStrike">
                 <a:latin typeface="Arial"/>
               </a:rPr>
-              <a:t>Click to </a:t>
-            </a:r>
-            <a:r>
-              <a:rPr b="0" lang="en-US" sz="1800" spc="-1" strike="noStrike">
-                <a:solidFill>
-                  <a:srgbClr val="000000"/>
-                </a:solidFill>
+              <a:t>Click to edit the title text </a:t>
+            </a:r>
+            <a:r>
+              <a:rPr b="0" lang="en-US" sz="4400" spc="-1" strike="noStrike">
                 <a:latin typeface="Arial"/>
               </a:rPr>
-              <a:t>edit the </a:t>
-            </a:r>
-            <a:r>
-              <a:rPr b="0" lang="en-US" sz="1800" spc="-1" strike="noStrike">
-                <a:solidFill>
-                  <a:srgbClr val="000000"/>
-                </a:solidFill>
-                <a:latin typeface="Arial"/>
-              </a:rPr>
-              <a:t>title text </a:t>
-            </a:r>
-            <a:r>
-              <a:rPr b="0" lang="en-US" sz="1800" spc="-1" strike="noStrike">
-                <a:solidFill>
-                  <a:srgbClr val="000000"/>
-                </a:solidFill>
-                <a:latin typeface="Arial"/>
-              </a:rPr>
               <a:t>format</a:t>
             </a:r>
-            <a:endParaRPr b="0" lang="en-US" sz="1800" spc="-1" strike="noStrike">
-              <a:solidFill>
-                <a:srgbClr val="000000"/>
-              </a:solidFill>
+            <a:endParaRPr b="0" lang="en-US" sz="4400" spc="-1" strike="noStrike">
               <a:latin typeface="Arial"/>
             </a:endParaRPr>
           </a:p>
@@ -7399,18 +6914,12 @@
               <a:buChar char=""/>
             </a:pPr>
             <a:r>
-              <a:rPr b="0" lang="en-US" sz="2800" spc="-1" strike="noStrike">
-                <a:solidFill>
-                  <a:srgbClr val="000000"/>
-                </a:solidFill>
+              <a:rPr b="0" lang="en-US" sz="3200" spc="-1" strike="noStrike">
                 <a:latin typeface="Arial"/>
               </a:rPr>
               <a:t>Click to edit the outline text format</a:t>
             </a:r>
-            <a:endParaRPr b="0" lang="en-US" sz="2800" spc="-1" strike="noStrike">
-              <a:solidFill>
-                <a:srgbClr val="000000"/>
-              </a:solidFill>
+            <a:endParaRPr b="0" lang="en-US" sz="3200" spc="-1" strike="noStrike">
               <a:latin typeface="Arial"/>
             </a:endParaRPr>
           </a:p>
@@ -7427,18 +6936,12 @@
               <a:buChar char=""/>
             </a:pPr>
             <a:r>
-              <a:rPr b="0" lang="en-US" sz="2000" spc="-1" strike="noStrike">
-                <a:solidFill>
-                  <a:srgbClr val="000000"/>
-                </a:solidFill>
+              <a:rPr b="0" lang="en-US" sz="2800" spc="-1" strike="noStrike">
                 <a:latin typeface="Arial"/>
               </a:rPr>
               <a:t>Second Outline Level</a:t>
             </a:r>
-            <a:endParaRPr b="0" lang="en-US" sz="2000" spc="-1" strike="noStrike">
-              <a:solidFill>
-                <a:srgbClr val="000000"/>
-              </a:solidFill>
+            <a:endParaRPr b="0" lang="en-US" sz="2800" spc="-1" strike="noStrike">
               <a:latin typeface="Arial"/>
             </a:endParaRPr>
           </a:p>
@@ -7455,18 +6958,12 @@
               <a:buChar char=""/>
             </a:pPr>
             <a:r>
-              <a:rPr b="0" lang="en-US" sz="1800" spc="-1" strike="noStrike">
-                <a:solidFill>
-                  <a:srgbClr val="000000"/>
-                </a:solidFill>
+              <a:rPr b="0" lang="en-US" sz="2400" spc="-1" strike="noStrike">
                 <a:latin typeface="Arial"/>
               </a:rPr>
               <a:t>Third Outline Level</a:t>
             </a:r>
-            <a:endParaRPr b="0" lang="en-US" sz="1800" spc="-1" strike="noStrike">
-              <a:solidFill>
-                <a:srgbClr val="000000"/>
-              </a:solidFill>
+            <a:endParaRPr b="0" lang="en-US" sz="2400" spc="-1" strike="noStrike">
               <a:latin typeface="Arial"/>
             </a:endParaRPr>
           </a:p>
@@ -7483,18 +6980,12 @@
               <a:buChar char=""/>
             </a:pPr>
             <a:r>
-              <a:rPr b="0" lang="en-US" sz="1800" spc="-1" strike="noStrike">
-                <a:solidFill>
-                  <a:srgbClr val="000000"/>
-                </a:solidFill>
+              <a:rPr b="0" lang="en-US" sz="2000" spc="-1" strike="noStrike">
                 <a:latin typeface="Arial"/>
               </a:rPr>
               <a:t>Fourth Outline Level</a:t>
             </a:r>
-            <a:endParaRPr b="0" lang="en-US" sz="1800" spc="-1" strike="noStrike">
-              <a:solidFill>
-                <a:srgbClr val="000000"/>
-              </a:solidFill>
+            <a:endParaRPr b="0" lang="en-US" sz="2000" spc="-1" strike="noStrike">
               <a:latin typeface="Arial"/>
             </a:endParaRPr>
           </a:p>
@@ -7512,17 +7003,11 @@
             </a:pPr>
             <a:r>
               <a:rPr b="0" lang="en-US" sz="2000" spc="-1" strike="noStrike">
-                <a:solidFill>
-                  <a:srgbClr val="000000"/>
-                </a:solidFill>
                 <a:latin typeface="Arial"/>
               </a:rPr>
               <a:t>Fifth Outline Level</a:t>
             </a:r>
             <a:endParaRPr b="0" lang="en-US" sz="2000" spc="-1" strike="noStrike">
-              <a:solidFill>
-                <a:srgbClr val="000000"/>
-              </a:solidFill>
               <a:latin typeface="Arial"/>
             </a:endParaRPr>
           </a:p>
@@ -7540,17 +7025,11 @@
             </a:pPr>
             <a:r>
               <a:rPr b="0" lang="en-US" sz="2000" spc="-1" strike="noStrike">
-                <a:solidFill>
-                  <a:srgbClr val="000000"/>
-                </a:solidFill>
                 <a:latin typeface="Arial"/>
               </a:rPr>
               <a:t>Sixth Outline Level</a:t>
             </a:r>
             <a:endParaRPr b="0" lang="en-US" sz="2000" spc="-1" strike="noStrike">
-              <a:solidFill>
-                <a:srgbClr val="000000"/>
-              </a:solidFill>
               <a:latin typeface="Arial"/>
             </a:endParaRPr>
           </a:p>
@@ -7568,17 +7047,11 @@
             </a:pPr>
             <a:r>
               <a:rPr b="0" lang="en-US" sz="2000" spc="-1" strike="noStrike">
-                <a:solidFill>
-                  <a:srgbClr val="000000"/>
-                </a:solidFill>
                 <a:latin typeface="Arial"/>
               </a:rPr>
               <a:t>Seventh Outline Level</a:t>
             </a:r>
             <a:endParaRPr b="0" lang="en-US" sz="2000" spc="-1" strike="noStrike">
-              <a:solidFill>
-                <a:srgbClr val="000000"/>
-              </a:solidFill>
               <a:latin typeface="Arial"/>
             </a:endParaRPr>
           </a:p>
@@ -7655,28 +7128,56 @@
             <a:noAutofit/>
           </a:bodyPr>
           <a:p>
-            <a:r>
-              <a:rPr b="0" lang="en-US" sz="1800" spc="-1" strike="noStrike">
-                <a:solidFill>
-                  <a:srgbClr val="000000"/>
-                </a:solidFill>
+            <a:pPr algn="ctr"/>
+            <a:r>
+              <a:rPr b="0" lang="en-US" sz="4400" spc="-1" strike="noStrike">
                 <a:latin typeface="Arial"/>
               </a:rPr>
-              <a:t>Click to edit the </a:t>
-            </a:r>
-            <a:r>
-              <a:rPr b="0" lang="en-US" sz="1800" spc="-1" strike="noStrike">
-                <a:solidFill>
-                  <a:srgbClr val="000000"/>
-                </a:solidFill>
+              <a:t>Clic</a:t>
+            </a:r>
+            <a:r>
+              <a:rPr b="0" lang="en-US" sz="4400" spc="-1" strike="noStrike">
                 <a:latin typeface="Arial"/>
               </a:rPr>
-              <a:t>title text format</a:t>
-            </a:r>
-            <a:endParaRPr b="0" lang="en-US" sz="1800" spc="-1" strike="noStrike">
-              <a:solidFill>
-                <a:srgbClr val="000000"/>
-              </a:solidFill>
+              <a:t>k to </a:t>
+            </a:r>
+            <a:r>
+              <a:rPr b="0" lang="en-US" sz="4400" spc="-1" strike="noStrike">
+                <a:latin typeface="Arial"/>
+              </a:rPr>
+              <a:t>edit </a:t>
+            </a:r>
+            <a:r>
+              <a:rPr b="0" lang="en-US" sz="4400" spc="-1" strike="noStrike">
+                <a:latin typeface="Arial"/>
+              </a:rPr>
+              <a:t>the </a:t>
+            </a:r>
+            <a:r>
+              <a:rPr b="0" lang="en-US" sz="4400" spc="-1" strike="noStrike">
+                <a:latin typeface="Arial"/>
+              </a:rPr>
+              <a:t>title </a:t>
+            </a:r>
+            <a:r>
+              <a:rPr b="0" lang="en-US" sz="4400" spc="-1" strike="noStrike">
+                <a:latin typeface="Arial"/>
+              </a:rPr>
+              <a:t>text </a:t>
+            </a:r>
+            <a:r>
+              <a:rPr b="0" lang="en-US" sz="4400" spc="-1" strike="noStrike">
+                <a:latin typeface="Arial"/>
+              </a:rPr>
+              <a:t>form</a:t>
+            </a:r>
+            <a:r>
+              <a:rPr b="0" lang="en-US" sz="4400" spc="-1" strike="noStrike">
+                <a:latin typeface="Arial"/>
+              </a:rPr>
+              <a:t>at</a:t>
+            </a:r>
+            <a:endParaRPr b="0" lang="en-US" sz="4400" spc="-1" strike="noStrike">
               <a:latin typeface="Arial"/>
             </a:endParaRPr>
           </a:p>
@@ -7718,18 +7219,12 @@
               <a:buChar char=""/>
             </a:pPr>
             <a:r>
-              <a:rPr b="0" lang="en-US" sz="2800" spc="-1" strike="noStrike">
-                <a:solidFill>
-                  <a:srgbClr val="000000"/>
-                </a:solidFill>
+              <a:rPr b="0" lang="en-US" sz="3200" spc="-1" strike="noStrike">
                 <a:latin typeface="Arial"/>
               </a:rPr>
               <a:t>Click to edit the outline text format</a:t>
             </a:r>
-            <a:endParaRPr b="0" lang="en-US" sz="2800" spc="-1" strike="noStrike">
-              <a:solidFill>
-                <a:srgbClr val="000000"/>
-              </a:solidFill>
+            <a:endParaRPr b="0" lang="en-US" sz="3200" spc="-1" strike="noStrike">
               <a:latin typeface="Arial"/>
             </a:endParaRPr>
           </a:p>
@@ -7746,18 +7241,12 @@
               <a:buChar char=""/>
             </a:pPr>
             <a:r>
-              <a:rPr b="0" lang="en-US" sz="2000" spc="-1" strike="noStrike">
-                <a:solidFill>
-                  <a:srgbClr val="000000"/>
-                </a:solidFill>
+              <a:rPr b="0" lang="en-US" sz="2800" spc="-1" strike="noStrike">
                 <a:latin typeface="Arial"/>
               </a:rPr>
               <a:t>Second Outline Level</a:t>
             </a:r>
-            <a:endParaRPr b="0" lang="en-US" sz="2000" spc="-1" strike="noStrike">
-              <a:solidFill>
-                <a:srgbClr val="000000"/>
-              </a:solidFill>
+            <a:endParaRPr b="0" lang="en-US" sz="2800" spc="-1" strike="noStrike">
               <a:latin typeface="Arial"/>
             </a:endParaRPr>
           </a:p>
@@ -7774,18 +7263,12 @@
               <a:buChar char=""/>
             </a:pPr>
             <a:r>
-              <a:rPr b="0" lang="en-US" sz="1800" spc="-1" strike="noStrike">
-                <a:solidFill>
-                  <a:srgbClr val="000000"/>
-                </a:solidFill>
+              <a:rPr b="0" lang="en-US" sz="2400" spc="-1" strike="noStrike">
                 <a:latin typeface="Arial"/>
               </a:rPr>
               <a:t>Third Outline Level</a:t>
             </a:r>
-            <a:endParaRPr b="0" lang="en-US" sz="1800" spc="-1" strike="noStrike">
-              <a:solidFill>
-                <a:srgbClr val="000000"/>
-              </a:solidFill>
+            <a:endParaRPr b="0" lang="en-US" sz="2400" spc="-1" strike="noStrike">
               <a:latin typeface="Arial"/>
             </a:endParaRPr>
           </a:p>
@@ -7802,18 +7285,12 @@
               <a:buChar char=""/>
             </a:pPr>
             <a:r>
-              <a:rPr b="0" lang="en-US" sz="1800" spc="-1" strike="noStrike">
-                <a:solidFill>
-                  <a:srgbClr val="000000"/>
-                </a:solidFill>
+              <a:rPr b="0" lang="en-US" sz="2000" spc="-1" strike="noStrike">
                 <a:latin typeface="Arial"/>
               </a:rPr>
               <a:t>Fourth Outline Level</a:t>
             </a:r>
-            <a:endParaRPr b="0" lang="en-US" sz="1800" spc="-1" strike="noStrike">
-              <a:solidFill>
-                <a:srgbClr val="000000"/>
-              </a:solidFill>
+            <a:endParaRPr b="0" lang="en-US" sz="2000" spc="-1" strike="noStrike">
               <a:latin typeface="Arial"/>
             </a:endParaRPr>
           </a:p>
@@ -7831,17 +7308,11 @@
             </a:pPr>
             <a:r>
               <a:rPr b="0" lang="en-US" sz="2000" spc="-1" strike="noStrike">
-                <a:solidFill>
-                  <a:srgbClr val="000000"/>
-                </a:solidFill>
                 <a:latin typeface="Arial"/>
               </a:rPr>
               <a:t>Fifth Outline Level</a:t>
             </a:r>
             <a:endParaRPr b="0" lang="en-US" sz="2000" spc="-1" strike="noStrike">
-              <a:solidFill>
-                <a:srgbClr val="000000"/>
-              </a:solidFill>
               <a:latin typeface="Arial"/>
             </a:endParaRPr>
           </a:p>
@@ -7859,17 +7330,11 @@
             </a:pPr>
             <a:r>
               <a:rPr b="0" lang="en-US" sz="2000" spc="-1" strike="noStrike">
-                <a:solidFill>
-                  <a:srgbClr val="000000"/>
-                </a:solidFill>
                 <a:latin typeface="Arial"/>
               </a:rPr>
               <a:t>Sixth Outline Level</a:t>
             </a:r>
             <a:endParaRPr b="0" lang="en-US" sz="2000" spc="-1" strike="noStrike">
-              <a:solidFill>
-                <a:srgbClr val="000000"/>
-              </a:solidFill>
               <a:latin typeface="Arial"/>
             </a:endParaRPr>
           </a:p>
@@ -7887,17 +7352,11 @@
             </a:pPr>
             <a:r>
               <a:rPr b="0" lang="en-US" sz="2000" spc="-1" strike="noStrike">
-                <a:solidFill>
-                  <a:srgbClr val="000000"/>
-                </a:solidFill>
                 <a:latin typeface="Arial"/>
               </a:rPr>
               <a:t>Seventh Outline Level</a:t>
             </a:r>
             <a:endParaRPr b="0" lang="en-US" sz="2000" spc="-1" strike="noStrike">
-              <a:solidFill>
-                <a:srgbClr val="000000"/>
-              </a:solidFill>
               <a:latin typeface="Arial"/>
             </a:endParaRPr>
           </a:p>
@@ -7974,28 +7433,56 @@
             <a:noAutofit/>
           </a:bodyPr>
           <a:p>
-            <a:r>
-              <a:rPr b="0" lang="en-US" sz="1800" spc="-1" strike="noStrike">
-                <a:solidFill>
-                  <a:srgbClr val="000000"/>
-                </a:solidFill>
+            <a:pPr algn="ctr"/>
+            <a:r>
+              <a:rPr b="0" lang="en-US" sz="4400" spc="-1" strike="noStrike">
                 <a:latin typeface="Arial"/>
               </a:rPr>
-              <a:t>Click to edit the </a:t>
-            </a:r>
-            <a:r>
-              <a:rPr b="0" lang="en-US" sz="1800" spc="-1" strike="noStrike">
-                <a:solidFill>
-                  <a:srgbClr val="000000"/>
-                </a:solidFill>
+              <a:t>Click </a:t>
+            </a:r>
+            <a:r>
+              <a:rPr b="0" lang="en-US" sz="4400" spc="-1" strike="noStrike">
                 <a:latin typeface="Arial"/>
               </a:rPr>
-              <a:t>title text format</a:t>
-            </a:r>
-            <a:endParaRPr b="0" lang="en-US" sz="1800" spc="-1" strike="noStrike">
-              <a:solidFill>
-                <a:srgbClr val="000000"/>
-              </a:solidFill>
+              <a:t>to </a:t>
+            </a:r>
+            <a:r>
+              <a:rPr b="0" lang="en-US" sz="4400" spc="-1" strike="noStrike">
+                <a:latin typeface="Arial"/>
+              </a:rPr>
+              <a:t>edit </a:t>
+            </a:r>
+            <a:r>
+              <a:rPr b="0" lang="en-US" sz="4400" spc="-1" strike="noStrike">
+                <a:latin typeface="Arial"/>
+              </a:rPr>
+              <a:t>the </a:t>
+            </a:r>
+            <a:r>
+              <a:rPr b="0" lang="en-US" sz="4400" spc="-1" strike="noStrike">
+                <a:latin typeface="Arial"/>
+              </a:rPr>
+              <a:t>title </a:t>
+            </a:r>
+            <a:r>
+              <a:rPr b="0" lang="en-US" sz="4400" spc="-1" strike="noStrike">
+                <a:latin typeface="Arial"/>
+              </a:rPr>
+              <a:t>text </a:t>
+            </a:r>
+            <a:r>
+              <a:rPr b="0" lang="en-US" sz="4400" spc="-1" strike="noStrike">
+                <a:latin typeface="Arial"/>
+              </a:rPr>
+              <a:t>forma</a:t>
+            </a:r>
+            <a:r>
+              <a:rPr b="0" lang="en-US" sz="4400" spc="-1" strike="noStrike">
+                <a:latin typeface="Arial"/>
+              </a:rPr>
+              <a:t>t</a:t>
+            </a:r>
+            <a:endParaRPr b="0" lang="en-US" sz="4400" spc="-1" strike="noStrike">
               <a:latin typeface="Arial"/>
             </a:endParaRPr>
           </a:p>
@@ -8037,18 +7524,12 @@
               <a:buChar char=""/>
             </a:pPr>
             <a:r>
-              <a:rPr b="0" lang="en-US" sz="2800" spc="-1" strike="noStrike">
-                <a:solidFill>
-                  <a:srgbClr val="000000"/>
-                </a:solidFill>
+              <a:rPr b="0" lang="en-US" sz="3200" spc="-1" strike="noStrike">
                 <a:latin typeface="Arial"/>
               </a:rPr>
               <a:t>Click to edit the outline text format</a:t>
             </a:r>
-            <a:endParaRPr b="0" lang="en-US" sz="2800" spc="-1" strike="noStrike">
-              <a:solidFill>
-                <a:srgbClr val="000000"/>
-              </a:solidFill>
+            <a:endParaRPr b="0" lang="en-US" sz="3200" spc="-1" strike="noStrike">
               <a:latin typeface="Arial"/>
             </a:endParaRPr>
           </a:p>
@@ -8065,18 +7546,12 @@
               <a:buChar char=""/>
             </a:pPr>
             <a:r>
-              <a:rPr b="0" lang="en-US" sz="2000" spc="-1" strike="noStrike">
-                <a:solidFill>
-                  <a:srgbClr val="000000"/>
-                </a:solidFill>
+              <a:rPr b="0" lang="en-US" sz="2800" spc="-1" strike="noStrike">
                 <a:latin typeface="Arial"/>
               </a:rPr>
               <a:t>Second Outline Level</a:t>
             </a:r>
-            <a:endParaRPr b="0" lang="en-US" sz="2000" spc="-1" strike="noStrike">
-              <a:solidFill>
-                <a:srgbClr val="000000"/>
-              </a:solidFill>
+            <a:endParaRPr b="0" lang="en-US" sz="2800" spc="-1" strike="noStrike">
               <a:latin typeface="Arial"/>
             </a:endParaRPr>
           </a:p>
@@ -8093,18 +7568,12 @@
               <a:buChar char=""/>
             </a:pPr>
             <a:r>
-              <a:rPr b="0" lang="en-US" sz="1800" spc="-1" strike="noStrike">
-                <a:solidFill>
-                  <a:srgbClr val="000000"/>
-                </a:solidFill>
+              <a:rPr b="0" lang="en-US" sz="2400" spc="-1" strike="noStrike">
                 <a:latin typeface="Arial"/>
               </a:rPr>
               <a:t>Third Outline Level</a:t>
             </a:r>
-            <a:endParaRPr b="0" lang="en-US" sz="1800" spc="-1" strike="noStrike">
-              <a:solidFill>
-                <a:srgbClr val="000000"/>
-              </a:solidFill>
+            <a:endParaRPr b="0" lang="en-US" sz="2400" spc="-1" strike="noStrike">
               <a:latin typeface="Arial"/>
             </a:endParaRPr>
           </a:p>
@@ -8121,18 +7590,12 @@
               <a:buChar char=""/>
             </a:pPr>
             <a:r>
-              <a:rPr b="0" lang="en-US" sz="1800" spc="-1" strike="noStrike">
-                <a:solidFill>
-                  <a:srgbClr val="000000"/>
-                </a:solidFill>
+              <a:rPr b="0" lang="en-US" sz="2000" spc="-1" strike="noStrike">
                 <a:latin typeface="Arial"/>
               </a:rPr>
               <a:t>Fourth Outline Level</a:t>
             </a:r>
-            <a:endParaRPr b="0" lang="en-US" sz="1800" spc="-1" strike="noStrike">
-              <a:solidFill>
-                <a:srgbClr val="000000"/>
-              </a:solidFill>
+            <a:endParaRPr b="0" lang="en-US" sz="2000" spc="-1" strike="noStrike">
               <a:latin typeface="Arial"/>
             </a:endParaRPr>
           </a:p>
@@ -8150,17 +7613,11 @@
             </a:pPr>
             <a:r>
               <a:rPr b="0" lang="en-US" sz="2000" spc="-1" strike="noStrike">
-                <a:solidFill>
-                  <a:srgbClr val="000000"/>
-                </a:solidFill>
                 <a:latin typeface="Arial"/>
               </a:rPr>
               <a:t>Fifth Outline Level</a:t>
             </a:r>
             <a:endParaRPr b="0" lang="en-US" sz="2000" spc="-1" strike="noStrike">
-              <a:solidFill>
-                <a:srgbClr val="000000"/>
-              </a:solidFill>
               <a:latin typeface="Arial"/>
             </a:endParaRPr>
           </a:p>
@@ -8178,17 +7635,11 @@
             </a:pPr>
             <a:r>
               <a:rPr b="0" lang="en-US" sz="2000" spc="-1" strike="noStrike">
-                <a:solidFill>
-                  <a:srgbClr val="000000"/>
-                </a:solidFill>
                 <a:latin typeface="Arial"/>
               </a:rPr>
               <a:t>Sixth Outline Level</a:t>
             </a:r>
             <a:endParaRPr b="0" lang="en-US" sz="2000" spc="-1" strike="noStrike">
-              <a:solidFill>
-                <a:srgbClr val="000000"/>
-              </a:solidFill>
               <a:latin typeface="Arial"/>
             </a:endParaRPr>
           </a:p>
@@ -8206,17 +7657,11 @@
             </a:pPr>
             <a:r>
               <a:rPr b="0" lang="en-US" sz="2000" spc="-1" strike="noStrike">
-                <a:solidFill>
-                  <a:srgbClr val="000000"/>
-                </a:solidFill>
                 <a:latin typeface="Arial"/>
               </a:rPr>
               <a:t>Seventh Outline Level</a:t>
             </a:r>
             <a:endParaRPr b="0" lang="en-US" sz="2000" spc="-1" strike="noStrike">
-              <a:solidFill>
-                <a:srgbClr val="000000"/>
-              </a:solidFill>
               <a:latin typeface="Arial"/>
             </a:endParaRPr>
           </a:p>
@@ -8293,37 +7738,56 @@
             <a:noAutofit/>
           </a:bodyPr>
           <a:p>
-            <a:r>
-              <a:rPr b="0" lang="en-US" sz="1800" spc="-1" strike="noStrike">
-                <a:solidFill>
-                  <a:srgbClr val="000000"/>
-                </a:solidFill>
+            <a:pPr algn="ctr"/>
+            <a:r>
+              <a:rPr b="0" lang="en-US" sz="4400" spc="-1" strike="noStrike">
                 <a:latin typeface="Arial"/>
               </a:rPr>
-              <a:t>Click to edit </a:t>
-            </a:r>
-            <a:r>
-              <a:rPr b="0" lang="en-US" sz="1800" spc="-1" strike="noStrike">
-                <a:solidFill>
-                  <a:srgbClr val="000000"/>
-                </a:solidFill>
+              <a:t>Clic</a:t>
+            </a:r>
+            <a:r>
+              <a:rPr b="0" lang="en-US" sz="4400" spc="-1" strike="noStrike">
                 <a:latin typeface="Arial"/>
               </a:rPr>
-              <a:t>the title text </a:t>
-            </a:r>
-            <a:r>
-              <a:rPr b="0" lang="en-US" sz="1800" spc="-1" strike="noStrike">
-                <a:solidFill>
-                  <a:srgbClr val="000000"/>
-                </a:solidFill>
+              <a:t>k to </a:t>
+            </a:r>
+            <a:r>
+              <a:rPr b="0" lang="en-US" sz="4400" spc="-1" strike="noStrike">
                 <a:latin typeface="Arial"/>
               </a:rPr>
-              <a:t>format</a:t>
-            </a:r>
-            <a:endParaRPr b="0" lang="en-US" sz="1800" spc="-1" strike="noStrike">
-              <a:solidFill>
-                <a:srgbClr val="000000"/>
-              </a:solidFill>
+              <a:t>edit </a:t>
+            </a:r>
+            <a:r>
+              <a:rPr b="0" lang="en-US" sz="4400" spc="-1" strike="noStrike">
+                <a:latin typeface="Arial"/>
+              </a:rPr>
+              <a:t>the </a:t>
+            </a:r>
+            <a:r>
+              <a:rPr b="0" lang="en-US" sz="4400" spc="-1" strike="noStrike">
+                <a:latin typeface="Arial"/>
+              </a:rPr>
+              <a:t>title </a:t>
+            </a:r>
+            <a:r>
+              <a:rPr b="0" lang="en-US" sz="4400" spc="-1" strike="noStrike">
+                <a:latin typeface="Arial"/>
+              </a:rPr>
+              <a:t>text </a:t>
+            </a:r>
+            <a:r>
+              <a:rPr b="0" lang="en-US" sz="4400" spc="-1" strike="noStrike">
+                <a:latin typeface="Arial"/>
+              </a:rPr>
+              <a:t>form</a:t>
+            </a:r>
+            <a:r>
+              <a:rPr b="0" lang="en-US" sz="4400" spc="-1" strike="noStrike">
+                <a:latin typeface="Arial"/>
+              </a:rPr>
+              <a:t>at</a:t>
+            </a:r>
+            <a:endParaRPr b="0" lang="en-US" sz="4400" spc="-1" strike="noStrike">
               <a:latin typeface="Arial"/>
             </a:endParaRPr>
           </a:p>
@@ -8365,18 +7829,12 @@
               <a:buChar char=""/>
             </a:pPr>
             <a:r>
-              <a:rPr b="0" lang="en-US" sz="2800" spc="-1" strike="noStrike">
-                <a:solidFill>
-                  <a:srgbClr val="000000"/>
-                </a:solidFill>
+              <a:rPr b="0" lang="en-US" sz="3200" spc="-1" strike="noStrike">
                 <a:latin typeface="Arial"/>
               </a:rPr>
               <a:t>Click to edit the outline text format</a:t>
             </a:r>
-            <a:endParaRPr b="0" lang="en-US" sz="2800" spc="-1" strike="noStrike">
-              <a:solidFill>
-                <a:srgbClr val="000000"/>
-              </a:solidFill>
+            <a:endParaRPr b="0" lang="en-US" sz="3200" spc="-1" strike="noStrike">
               <a:latin typeface="Arial"/>
             </a:endParaRPr>
           </a:p>
@@ -8393,18 +7851,12 @@
               <a:buChar char=""/>
             </a:pPr>
             <a:r>
-              <a:rPr b="0" lang="en-US" sz="2000" spc="-1" strike="noStrike">
-                <a:solidFill>
-                  <a:srgbClr val="000000"/>
-                </a:solidFill>
+              <a:rPr b="0" lang="en-US" sz="2800" spc="-1" strike="noStrike">
                 <a:latin typeface="Arial"/>
               </a:rPr>
               <a:t>Second Outline Level</a:t>
             </a:r>
-            <a:endParaRPr b="0" lang="en-US" sz="2000" spc="-1" strike="noStrike">
-              <a:solidFill>
-                <a:srgbClr val="000000"/>
-              </a:solidFill>
+            <a:endParaRPr b="0" lang="en-US" sz="2800" spc="-1" strike="noStrike">
               <a:latin typeface="Arial"/>
             </a:endParaRPr>
           </a:p>
@@ -8421,18 +7873,12 @@
               <a:buChar char=""/>
             </a:pPr>
             <a:r>
-              <a:rPr b="0" lang="en-US" sz="1800" spc="-1" strike="noStrike">
-                <a:solidFill>
-                  <a:srgbClr val="000000"/>
-                </a:solidFill>
+              <a:rPr b="0" lang="en-US" sz="2400" spc="-1" strike="noStrike">
                 <a:latin typeface="Arial"/>
               </a:rPr>
               <a:t>Third Outline Level</a:t>
             </a:r>
-            <a:endParaRPr b="0" lang="en-US" sz="1800" spc="-1" strike="noStrike">
-              <a:solidFill>
-                <a:srgbClr val="000000"/>
-              </a:solidFill>
+            <a:endParaRPr b="0" lang="en-US" sz="2400" spc="-1" strike="noStrike">
               <a:latin typeface="Arial"/>
             </a:endParaRPr>
           </a:p>
@@ -8449,18 +7895,12 @@
               <a:buChar char=""/>
             </a:pPr>
             <a:r>
-              <a:rPr b="0" lang="en-US" sz="1800" spc="-1" strike="noStrike">
-                <a:solidFill>
-                  <a:srgbClr val="000000"/>
-                </a:solidFill>
+              <a:rPr b="0" lang="en-US" sz="2000" spc="-1" strike="noStrike">
                 <a:latin typeface="Arial"/>
               </a:rPr>
               <a:t>Fourth Outline Level</a:t>
             </a:r>
-            <a:endParaRPr b="0" lang="en-US" sz="1800" spc="-1" strike="noStrike">
-              <a:solidFill>
-                <a:srgbClr val="000000"/>
-              </a:solidFill>
+            <a:endParaRPr b="0" lang="en-US" sz="2000" spc="-1" strike="noStrike">
               <a:latin typeface="Arial"/>
             </a:endParaRPr>
           </a:p>
@@ -8478,17 +7918,11 @@
             </a:pPr>
             <a:r>
               <a:rPr b="0" lang="en-US" sz="2000" spc="-1" strike="noStrike">
-                <a:solidFill>
-                  <a:srgbClr val="000000"/>
-                </a:solidFill>
                 <a:latin typeface="Arial"/>
               </a:rPr>
               <a:t>Fifth Outline Level</a:t>
             </a:r>
             <a:endParaRPr b="0" lang="en-US" sz="2000" spc="-1" strike="noStrike">
-              <a:solidFill>
-                <a:srgbClr val="000000"/>
-              </a:solidFill>
               <a:latin typeface="Arial"/>
             </a:endParaRPr>
           </a:p>
@@ -8506,17 +7940,11 @@
             </a:pPr>
             <a:r>
               <a:rPr b="0" lang="en-US" sz="2000" spc="-1" strike="noStrike">
-                <a:solidFill>
-                  <a:srgbClr val="000000"/>
-                </a:solidFill>
                 <a:latin typeface="Arial"/>
               </a:rPr>
               <a:t>Sixth Outline Level</a:t>
             </a:r>
             <a:endParaRPr b="0" lang="en-US" sz="2000" spc="-1" strike="noStrike">
-              <a:solidFill>
-                <a:srgbClr val="000000"/>
-              </a:solidFill>
               <a:latin typeface="Arial"/>
             </a:endParaRPr>
           </a:p>
@@ -8534,17 +7962,11 @@
             </a:pPr>
             <a:r>
               <a:rPr b="0" lang="en-US" sz="2000" spc="-1" strike="noStrike">
-                <a:solidFill>
-                  <a:srgbClr val="000000"/>
-                </a:solidFill>
                 <a:latin typeface="Arial"/>
               </a:rPr>
               <a:t>Seventh Outline Level</a:t>
             </a:r>
             <a:endParaRPr b="0" lang="en-US" sz="2000" spc="-1" strike="noStrike">
-              <a:solidFill>
-                <a:srgbClr val="000000"/>
-              </a:solidFill>
               <a:latin typeface="Arial"/>
             </a:endParaRPr>
           </a:p>
@@ -8621,28 +8043,44 @@
             <a:noAutofit/>
           </a:bodyPr>
           <a:p>
-            <a:r>
-              <a:rPr b="0" lang="en-US" sz="1800" spc="-1" strike="noStrike">
-                <a:solidFill>
-                  <a:srgbClr val="000000"/>
-                </a:solidFill>
+            <a:pPr algn="ctr"/>
+            <a:r>
+              <a:rPr b="0" lang="en-US" sz="4400" spc="-1" strike="noStrike">
                 <a:latin typeface="Arial"/>
               </a:rPr>
-              <a:t>Click to edit the </a:t>
-            </a:r>
-            <a:r>
-              <a:rPr b="0" lang="en-US" sz="1800" spc="-1" strike="noStrike">
-                <a:solidFill>
-                  <a:srgbClr val="000000"/>
-                </a:solidFill>
+              <a:t>Click </a:t>
+            </a:r>
+            <a:r>
+              <a:rPr b="0" lang="en-US" sz="4400" spc="-1" strike="noStrike">
                 <a:latin typeface="Arial"/>
               </a:rPr>
-              <a:t>title text format</a:t>
-            </a:r>
-            <a:endParaRPr b="0" lang="en-US" sz="1800" spc="-1" strike="noStrike">
-              <a:solidFill>
-                <a:srgbClr val="000000"/>
-              </a:solidFill>
+              <a:t>to edit </a:t>
+            </a:r>
+            <a:r>
+              <a:rPr b="0" lang="en-US" sz="4400" spc="-1" strike="noStrike">
+                <a:latin typeface="Arial"/>
+              </a:rPr>
+              <a:t>the </a:t>
+            </a:r>
+            <a:r>
+              <a:rPr b="0" lang="en-US" sz="4400" spc="-1" strike="noStrike">
+                <a:latin typeface="Arial"/>
+              </a:rPr>
+              <a:t>title </a:t>
+            </a:r>
+            <a:r>
+              <a:rPr b="0" lang="en-US" sz="4400" spc="-1" strike="noStrike">
+                <a:latin typeface="Arial"/>
+              </a:rPr>
+              <a:t>text </a:t>
+            </a:r>
+            <a:r>
+              <a:rPr b="0" lang="en-US" sz="4400" spc="-1" strike="noStrike">
+                <a:latin typeface="Arial"/>
+              </a:rPr>
+              <a:t>format</a:t>
+            </a:r>
+            <a:endParaRPr b="0" lang="en-US" sz="4400" spc="-1" strike="noStrike">
               <a:latin typeface="Arial"/>
             </a:endParaRPr>
           </a:p>
@@ -8684,18 +8122,12 @@
               <a:buChar char=""/>
             </a:pPr>
             <a:r>
-              <a:rPr b="0" lang="en-US" sz="2800" spc="-1" strike="noStrike">
-                <a:solidFill>
-                  <a:srgbClr val="000000"/>
-                </a:solidFill>
+              <a:rPr b="0" lang="en-US" sz="3200" spc="-1" strike="noStrike">
                 <a:latin typeface="Arial"/>
               </a:rPr>
               <a:t>Click to edit the outline text format</a:t>
             </a:r>
-            <a:endParaRPr b="0" lang="en-US" sz="2800" spc="-1" strike="noStrike">
-              <a:solidFill>
-                <a:srgbClr val="000000"/>
-              </a:solidFill>
+            <a:endParaRPr b="0" lang="en-US" sz="3200" spc="-1" strike="noStrike">
               <a:latin typeface="Arial"/>
             </a:endParaRPr>
           </a:p>
@@ -8712,18 +8144,12 @@
               <a:buChar char=""/>
             </a:pPr>
             <a:r>
-              <a:rPr b="0" lang="en-US" sz="2000" spc="-1" strike="noStrike">
-                <a:solidFill>
-                  <a:srgbClr val="000000"/>
-                </a:solidFill>
+              <a:rPr b="0" lang="en-US" sz="2800" spc="-1" strike="noStrike">
                 <a:latin typeface="Arial"/>
               </a:rPr>
               <a:t>Second Outline Level</a:t>
             </a:r>
-            <a:endParaRPr b="0" lang="en-US" sz="2000" spc="-1" strike="noStrike">
-              <a:solidFill>
-                <a:srgbClr val="000000"/>
-              </a:solidFill>
+            <a:endParaRPr b="0" lang="en-US" sz="2800" spc="-1" strike="noStrike">
               <a:latin typeface="Arial"/>
             </a:endParaRPr>
           </a:p>
@@ -8740,18 +8166,12 @@
               <a:buChar char=""/>
             </a:pPr>
             <a:r>
-              <a:rPr b="0" lang="en-US" sz="1800" spc="-1" strike="noStrike">
-                <a:solidFill>
-                  <a:srgbClr val="000000"/>
-                </a:solidFill>
+              <a:rPr b="0" lang="en-US" sz="2400" spc="-1" strike="noStrike">
                 <a:latin typeface="Arial"/>
               </a:rPr>
               <a:t>Third Outline Level</a:t>
             </a:r>
-            <a:endParaRPr b="0" lang="en-US" sz="1800" spc="-1" strike="noStrike">
-              <a:solidFill>
-                <a:srgbClr val="000000"/>
-              </a:solidFill>
+            <a:endParaRPr b="0" lang="en-US" sz="2400" spc="-1" strike="noStrike">
               <a:latin typeface="Arial"/>
             </a:endParaRPr>
           </a:p>
@@ -8768,18 +8188,12 @@
               <a:buChar char=""/>
             </a:pPr>
             <a:r>
-              <a:rPr b="0" lang="en-US" sz="1800" spc="-1" strike="noStrike">
-                <a:solidFill>
-                  <a:srgbClr val="000000"/>
-                </a:solidFill>
+              <a:rPr b="0" lang="en-US" sz="2000" spc="-1" strike="noStrike">
                 <a:latin typeface="Arial"/>
               </a:rPr>
               <a:t>Fourth Outline Level</a:t>
             </a:r>
-            <a:endParaRPr b="0" lang="en-US" sz="1800" spc="-1" strike="noStrike">
-              <a:solidFill>
-                <a:srgbClr val="000000"/>
-              </a:solidFill>
+            <a:endParaRPr b="0" lang="en-US" sz="2000" spc="-1" strike="noStrike">
               <a:latin typeface="Arial"/>
             </a:endParaRPr>
           </a:p>
@@ -8797,17 +8211,11 @@
             </a:pPr>
             <a:r>
               <a:rPr b="0" lang="en-US" sz="2000" spc="-1" strike="noStrike">
-                <a:solidFill>
-                  <a:srgbClr val="000000"/>
-                </a:solidFill>
                 <a:latin typeface="Arial"/>
               </a:rPr>
               <a:t>Fifth Outline Level</a:t>
             </a:r>
             <a:endParaRPr b="0" lang="en-US" sz="2000" spc="-1" strike="noStrike">
-              <a:solidFill>
-                <a:srgbClr val="000000"/>
-              </a:solidFill>
               <a:latin typeface="Arial"/>
             </a:endParaRPr>
           </a:p>
@@ -8825,17 +8233,11 @@
             </a:pPr>
             <a:r>
               <a:rPr b="0" lang="en-US" sz="2000" spc="-1" strike="noStrike">
-                <a:solidFill>
-                  <a:srgbClr val="000000"/>
-                </a:solidFill>
                 <a:latin typeface="Arial"/>
               </a:rPr>
               <a:t>Sixth Outline Level</a:t>
             </a:r>
             <a:endParaRPr b="0" lang="en-US" sz="2000" spc="-1" strike="noStrike">
-              <a:solidFill>
-                <a:srgbClr val="000000"/>
-              </a:solidFill>
               <a:latin typeface="Arial"/>
             </a:endParaRPr>
           </a:p>
@@ -8853,17 +8255,11 @@
             </a:pPr>
             <a:r>
               <a:rPr b="0" lang="en-US" sz="2000" spc="-1" strike="noStrike">
-                <a:solidFill>
-                  <a:srgbClr val="000000"/>
-                </a:solidFill>
                 <a:latin typeface="Arial"/>
               </a:rPr>
               <a:t>Seventh Outline Level</a:t>
             </a:r>
             <a:endParaRPr b="0" lang="en-US" sz="2000" spc="-1" strike="noStrike">
-              <a:solidFill>
-                <a:srgbClr val="000000"/>
-              </a:solidFill>
               <a:latin typeface="Arial"/>
             </a:endParaRPr>
           </a:p>
@@ -8925,7 +8321,7 @@
         <p:spPr>
           <a:xfrm>
             <a:off x="210600" y="1443600"/>
-            <a:ext cx="4401000" cy="1611000"/>
+            <a:ext cx="4400640" cy="1610640"/>
           </a:xfrm>
           <a:prstGeom prst="rect">
             <a:avLst/>
@@ -8976,7 +8372,7 @@
         <p:spPr>
           <a:xfrm>
             <a:off x="588240" y="3942360"/>
-            <a:ext cx="3382200" cy="431640"/>
+            <a:ext cx="3381840" cy="431280"/>
           </a:xfrm>
           <a:prstGeom prst="rect">
             <a:avLst/>
@@ -9048,7 +8444,7 @@
         <p:spPr>
           <a:xfrm>
             <a:off x="4697280" y="444960"/>
-            <a:ext cx="4194360" cy="4316760"/>
+            <a:ext cx="4194000" cy="4316400"/>
           </a:xfrm>
           <a:prstGeom prst="rect">
             <a:avLst/>
@@ -9067,7 +8463,7 @@
         <p:spPr>
           <a:xfrm>
             <a:off x="731160" y="3108960"/>
-            <a:ext cx="3382200" cy="431640"/>
+            <a:ext cx="3381840" cy="431280"/>
           </a:xfrm>
           <a:prstGeom prst="rect">
             <a:avLst/>
@@ -9159,7 +8555,7 @@
         <p:spPr>
           <a:xfrm>
             <a:off x="578880" y="664920"/>
-            <a:ext cx="7529760" cy="815040"/>
+            <a:ext cx="7529400" cy="814680"/>
           </a:xfrm>
           <a:prstGeom prst="rect">
             <a:avLst/>
@@ -9232,7 +8628,7 @@
         <p:spPr>
           <a:xfrm>
             <a:off x="74520" y="4622760"/>
-            <a:ext cx="711720" cy="363960"/>
+            <a:ext cx="711360" cy="363960"/>
           </a:xfrm>
           <a:prstGeom prst="rect">
             <a:avLst/>
@@ -9283,7 +8679,7 @@
         <p:spPr>
           <a:xfrm>
             <a:off x="548640" y="1463040"/>
-            <a:ext cx="8138160" cy="2651760"/>
+            <a:ext cx="8137800" cy="2651400"/>
           </a:xfrm>
           <a:prstGeom prst="rect">
             <a:avLst/>
@@ -9318,7 +8714,7 @@
             </a:endParaRPr>
           </a:p>
           <a:p>
-            <a:pPr marL="457200" indent="-295920">
+            <a:pPr marL="457200" indent="-295560">
               <a:lnSpc>
                 <a:spcPct val="100000"/>
               </a:lnSpc>
@@ -9353,7 +8749,7 @@
             </a:endParaRPr>
           </a:p>
           <a:p>
-            <a:pPr marL="457200" indent="-295920">
+            <a:pPr marL="457200" indent="-295560">
               <a:lnSpc>
                 <a:spcPct val="100000"/>
               </a:lnSpc>
@@ -9608,6 +9004,170 @@
 </file>
 
 <file path=ppt/slides/slide11.xml><?xml version="1.0" encoding="utf-8"?>
+<p:sld xmlns:a="http://schemas.openxmlformats.org/drawingml/2006/main" xmlns:p="http://schemas.openxmlformats.org/presentationml/2006/main" xmlns:r="http://schemas.openxmlformats.org/officeDocument/2006/relationships" xmlns:p14="http://schemas.microsoft.com/office/powerpoint/2010/main" xmlns:p15="http://schemas.microsoft.com/office/powerpoint/2012/main" xmlns:mc="http://schemas.openxmlformats.org/markup-compatibility/2006">
+  <p:cSld>
+    <p:spTree>
+      <p:nvGrpSpPr>
+        <p:cNvPr id="1" name=""/>
+        <p:cNvGrpSpPr/>
+        <p:nvPr/>
+      </p:nvGrpSpPr>
+      <p:grpSpPr>
+        <a:xfrm>
+          <a:off x="0" y="0"/>
+          <a:ext cx="0" cy="0"/>
+          <a:chOff x="0" y="0"/>
+          <a:chExt cx="0" cy="0"/>
+        </a:xfrm>
+      </p:grpSpPr>
+      <p:sp>
+        <p:nvSpPr>
+          <p:cNvPr id="220" name="CustomShape 1"/>
+          <p:cNvSpPr/>
+          <p:nvPr/>
+        </p:nvSpPr>
+        <p:spPr>
+          <a:xfrm>
+            <a:off x="74520" y="4622760"/>
+            <a:ext cx="711360" cy="363960"/>
+          </a:xfrm>
+          <a:prstGeom prst="rect">
+            <a:avLst/>
+          </a:prstGeom>
+          <a:noFill/>
+          <a:ln>
+            <a:noFill/>
+          </a:ln>
+        </p:spPr>
+        <p:style>
+          <a:lnRef idx="0"/>
+          <a:fillRef idx="0"/>
+          <a:effectRef idx="0"/>
+          <a:fontRef idx="minor"/>
+        </p:style>
+        <p:txBody>
+          <a:bodyPr lIns="90000" rIns="90000" tIns="45000" bIns="45000">
+            <a:spAutoFit/>
+          </a:bodyPr>
+          <a:p>
+            <a:pPr>
+              <a:lnSpc>
+                <a:spcPct val="100000"/>
+              </a:lnSpc>
+            </a:pPr>
+            <a:r>
+              <a:rPr b="0" lang="en-US" sz="1800" spc="-1" strike="noStrike">
+                <a:solidFill>
+                  <a:srgbClr val="f3f3f3"/>
+                </a:solidFill>
+                <a:latin typeface="Arial"/>
+                <a:ea typeface="DejaVu Sans"/>
+              </a:rPr>
+              <a:t>8</a:t>
+            </a:r>
+            <a:endParaRPr b="0" lang="en-US" sz="1800" spc="-1" strike="noStrike">
+              <a:latin typeface="Arial"/>
+            </a:endParaRPr>
+          </a:p>
+        </p:txBody>
+      </p:sp>
+      <p:sp>
+        <p:nvSpPr>
+          <p:cNvPr id="221" name="CustomShape 2"/>
+          <p:cNvSpPr/>
+          <p:nvPr/>
+        </p:nvSpPr>
+        <p:spPr>
+          <a:xfrm>
+            <a:off x="548640" y="1463040"/>
+            <a:ext cx="8137800" cy="2651400"/>
+          </a:xfrm>
+          <a:prstGeom prst="rect">
+            <a:avLst/>
+          </a:prstGeom>
+          <a:solidFill>
+            <a:srgbClr val="0c343d">
+              <a:alpha val="57000"/>
+            </a:srgbClr>
+          </a:solidFill>
+          <a:ln>
+            <a:noFill/>
+          </a:ln>
+        </p:spPr>
+        <p:style>
+          <a:lnRef idx="0"/>
+          <a:fillRef idx="0"/>
+          <a:effectRef idx="0"/>
+          <a:fontRef idx="minor"/>
+        </p:style>
+        <p:txBody>
+          <a:bodyPr lIns="234000" rIns="234000" tIns="234000" bIns="91440">
+            <a:noAutofit/>
+          </a:bodyPr>
+          <a:p>
+            <a:pPr>
+              <a:lnSpc>
+                <a:spcPct val="100000"/>
+              </a:lnSpc>
+            </a:pPr>
+            <a:r>
+              <a:rPr b="0" lang="en-US" sz="1800" spc="-1" strike="noStrike">
+                <a:solidFill>
+                  <a:srgbClr val="ffffff"/>
+                </a:solidFill>
+                <a:latin typeface="Arial"/>
+                <a:ea typeface="DejaVu Sans"/>
+              </a:rPr>
+              <a:t>Web page link </a:t>
+            </a:r>
+            <a:r>
+              <a:rPr b="0" lang="en-US" sz="1800" spc="-1" strike="noStrike">
+                <a:solidFill>
+                  <a:srgbClr val="ffffff"/>
+                </a:solidFill>
+                <a:latin typeface="Arial"/>
+                <a:ea typeface="DejaVu Sans"/>
+              </a:rPr>
+              <a:t>→ </a:t>
+            </a:r>
+            <a:r>
+              <a:rPr b="1" i="1" lang="en-US" sz="1800" spc="-1" strike="noStrike" u="sng">
+                <a:solidFill>
+                  <a:srgbClr val="ffffff"/>
+                </a:solidFill>
+                <a:uFillTx/>
+                <a:latin typeface="Arial"/>
+                <a:ea typeface="DejaVu Sans"/>
+                <a:hlinkClick r:id="rId1"/>
+              </a:rPr>
+              <a:t>http://cscgp.miuegypt.edu.eg/graduation-projects-2021-2022/genetics/</a:t>
+            </a:r>
+            <a:r>
+              <a:rPr b="1" i="1" lang="en-US" sz="1800" spc="-1" strike="noStrike" u="sng">
+                <a:solidFill>
+                  <a:srgbClr val="ffffff"/>
+                </a:solidFill>
+                <a:uFillTx/>
+                <a:latin typeface="Arial"/>
+                <a:ea typeface="DejaVu Sans"/>
+              </a:rPr>
+              <a:t> </a:t>
+            </a:r>
+            <a:endParaRPr b="0" lang="en-US" sz="1800" spc="-1" strike="noStrike">
+              <a:latin typeface="Arial"/>
+            </a:endParaRPr>
+          </a:p>
+        </p:txBody>
+      </p:sp>
+    </p:spTree>
+  </p:cSld>
+  <p:transition spd="slow">
+    <p:push dir="u"/>
+  </p:transition>
+</p:sld>
+</file>
+
+<file path=ppt/slides/slide12.xml><?xml version="1.0" encoding="utf-8"?>
 <p:sld xmlns:a="http://schemas.openxmlformats.org/drawingml/2006/main" xmlns:p="http://schemas.openxmlformats.org/presentationml/2006/main" xmlns:r="http://schemas.openxmlformats.org/officeDocument/2006/relationships" xmlns:p14="http://schemas.microsoft.com/office/powerpoint/2010/main" xmlns:p15="http://schemas.microsoft.com/office/powerpoint/2012/main" xmlns:mc="http://schemas.openxmlformats.org/markup-compatibility/2006">
   <p:cSld>
     <p:bg>
@@ -9636,14 +9196,14 @@
       </p:grpSpPr>
       <p:sp>
         <p:nvSpPr>
-          <p:cNvPr id="220" name="CustomShape 1"/>
+          <p:cNvPr id="222" name="CustomShape 1"/>
           <p:cNvSpPr/>
           <p:nvPr/>
         </p:nvSpPr>
         <p:spPr>
           <a:xfrm>
             <a:off x="91440" y="72000"/>
-            <a:ext cx="3108240" cy="475920"/>
+            <a:ext cx="3107880" cy="475560"/>
           </a:xfrm>
           <a:prstGeom prst="rect">
             <a:avLst/>
@@ -9690,14 +9250,14 @@
       </p:sp>
       <p:sp>
         <p:nvSpPr>
-          <p:cNvPr id="221" name="CustomShape 2"/>
+          <p:cNvPr id="223" name="CustomShape 2"/>
           <p:cNvSpPr/>
           <p:nvPr/>
         </p:nvSpPr>
         <p:spPr>
           <a:xfrm>
             <a:off x="2647440" y="274320"/>
-            <a:ext cx="2520" cy="4804560"/>
+            <a:ext cx="2160" cy="4804200"/>
           </a:xfrm>
           <a:custGeom>
             <a:avLst/>
@@ -9734,14 +9294,14 @@
       </p:sp>
       <p:sp>
         <p:nvSpPr>
-          <p:cNvPr id="222" name="CustomShape 3"/>
+          <p:cNvPr id="224" name="CustomShape 3"/>
           <p:cNvSpPr/>
           <p:nvPr/>
         </p:nvSpPr>
         <p:spPr>
           <a:xfrm>
             <a:off x="405360" y="1361160"/>
-            <a:ext cx="2061000" cy="623520"/>
+            <a:ext cx="2060640" cy="623160"/>
           </a:xfrm>
           <a:prstGeom prst="rect">
             <a:avLst/>
@@ -9785,14 +9345,14 @@
       </p:sp>
       <p:sp>
         <p:nvSpPr>
-          <p:cNvPr id="223" name="CustomShape 4"/>
+          <p:cNvPr id="225" name="CustomShape 4"/>
           <p:cNvSpPr/>
           <p:nvPr/>
         </p:nvSpPr>
         <p:spPr>
           <a:xfrm>
             <a:off x="2889720" y="1361160"/>
-            <a:ext cx="2061000" cy="623520"/>
+            <a:ext cx="2060640" cy="623160"/>
           </a:xfrm>
           <a:prstGeom prst="rect">
             <a:avLst/>
@@ -9856,14 +9416,14 @@
       </p:sp>
       <p:sp>
         <p:nvSpPr>
-          <p:cNvPr id="224" name="CustomShape 5"/>
+          <p:cNvPr id="226" name="CustomShape 5"/>
           <p:cNvSpPr/>
           <p:nvPr/>
         </p:nvSpPr>
         <p:spPr>
           <a:xfrm>
             <a:off x="2981520" y="2066400"/>
-            <a:ext cx="2061000" cy="623520"/>
+            <a:ext cx="2060640" cy="623160"/>
           </a:xfrm>
           <a:prstGeom prst="rect">
             <a:avLst/>
@@ -9907,14 +9467,14 @@
       </p:sp>
       <p:sp>
         <p:nvSpPr>
-          <p:cNvPr id="225" name="CustomShape 6"/>
+          <p:cNvPr id="227" name="CustomShape 6"/>
           <p:cNvSpPr/>
           <p:nvPr/>
         </p:nvSpPr>
         <p:spPr>
           <a:xfrm>
             <a:off x="426240" y="3349800"/>
-            <a:ext cx="2061000" cy="623520"/>
+            <a:ext cx="2060640" cy="623160"/>
           </a:xfrm>
           <a:prstGeom prst="rect">
             <a:avLst/>
@@ -9961,14 +9521,14 @@
       </p:sp>
       <p:sp>
         <p:nvSpPr>
-          <p:cNvPr id="226" name="CustomShape 7"/>
+          <p:cNvPr id="228" name="CustomShape 7"/>
           <p:cNvSpPr/>
           <p:nvPr/>
         </p:nvSpPr>
         <p:spPr>
           <a:xfrm>
             <a:off x="2961720" y="4290120"/>
-            <a:ext cx="2061000" cy="623520"/>
+            <a:ext cx="2060640" cy="623160"/>
           </a:xfrm>
           <a:prstGeom prst="rect">
             <a:avLst/>
@@ -10012,14 +9572,14 @@
       </p:sp>
       <p:sp>
         <p:nvSpPr>
-          <p:cNvPr id="227" name="CustomShape 8"/>
+          <p:cNvPr id="229" name="CustomShape 8"/>
           <p:cNvSpPr/>
           <p:nvPr/>
         </p:nvSpPr>
         <p:spPr>
           <a:xfrm>
             <a:off x="405360" y="2386080"/>
-            <a:ext cx="2061000" cy="623520"/>
+            <a:ext cx="2060640" cy="623160"/>
           </a:xfrm>
           <a:prstGeom prst="rect">
             <a:avLst/>
@@ -10073,14 +9633,14 @@
       </p:sp>
       <p:sp>
         <p:nvSpPr>
-          <p:cNvPr id="228" name="CustomShape 9"/>
+          <p:cNvPr id="230" name="CustomShape 9"/>
           <p:cNvSpPr/>
           <p:nvPr/>
         </p:nvSpPr>
         <p:spPr>
           <a:xfrm>
             <a:off x="2946240" y="3385800"/>
-            <a:ext cx="2061000" cy="623520"/>
+            <a:ext cx="2060640" cy="623160"/>
           </a:xfrm>
           <a:prstGeom prst="rect">
             <a:avLst/>
@@ -10137,14 +9697,14 @@
       </p:sp>
       <p:sp>
         <p:nvSpPr>
-          <p:cNvPr id="229" name="CustomShape 10"/>
+          <p:cNvPr id="231" name="CustomShape 10"/>
           <p:cNvSpPr/>
           <p:nvPr/>
         </p:nvSpPr>
         <p:spPr>
           <a:xfrm>
             <a:off x="333360" y="4254120"/>
-            <a:ext cx="2061000" cy="623520"/>
+            <a:ext cx="2060640" cy="623160"/>
           </a:xfrm>
           <a:prstGeom prst="rect">
             <a:avLst/>
@@ -10188,14 +9748,14 @@
       </p:sp>
       <p:sp>
         <p:nvSpPr>
-          <p:cNvPr id="230" name="CustomShape 11"/>
+          <p:cNvPr id="232" name="CustomShape 11"/>
           <p:cNvSpPr/>
           <p:nvPr/>
         </p:nvSpPr>
         <p:spPr>
           <a:xfrm>
             <a:off x="2478960" y="1725480"/>
-            <a:ext cx="309600" cy="360"/>
+            <a:ext cx="309240" cy="360"/>
           </a:xfrm>
           <a:custGeom>
             <a:avLst/>
@@ -10230,14 +9790,14 @@
       </p:sp>
       <p:sp>
         <p:nvSpPr>
-          <p:cNvPr id="231" name="CustomShape 12"/>
+          <p:cNvPr id="233" name="CustomShape 12"/>
           <p:cNvSpPr/>
           <p:nvPr/>
         </p:nvSpPr>
         <p:spPr>
           <a:xfrm>
             <a:off x="2541600" y="2805120"/>
-            <a:ext cx="205560" cy="360"/>
+            <a:ext cx="205200" cy="360"/>
           </a:xfrm>
           <a:custGeom>
             <a:avLst/>
@@ -10272,14 +9832,14 @@
       </p:sp>
       <p:sp>
         <p:nvSpPr>
-          <p:cNvPr id="232" name="CustomShape 13"/>
+          <p:cNvPr id="234" name="CustomShape 13"/>
           <p:cNvSpPr/>
           <p:nvPr/>
         </p:nvSpPr>
         <p:spPr>
           <a:xfrm>
             <a:off x="2489760" y="3663000"/>
-            <a:ext cx="309600" cy="360"/>
+            <a:ext cx="309240" cy="360"/>
           </a:xfrm>
           <a:custGeom>
             <a:avLst/>
@@ -10314,14 +9874,14 @@
       </p:sp>
       <p:sp>
         <p:nvSpPr>
-          <p:cNvPr id="233" name="CustomShape 14"/>
+          <p:cNvPr id="235" name="CustomShape 14"/>
           <p:cNvSpPr/>
           <p:nvPr/>
         </p:nvSpPr>
         <p:spPr>
           <a:xfrm>
             <a:off x="2462040" y="4530240"/>
-            <a:ext cx="309600" cy="360"/>
+            <a:ext cx="309240" cy="360"/>
           </a:xfrm>
           <a:custGeom>
             <a:avLst/>
@@ -10356,14 +9916,14 @@
       </p:sp>
       <p:sp>
         <p:nvSpPr>
-          <p:cNvPr id="234" name="CustomShape 15"/>
+          <p:cNvPr id="236" name="CustomShape 15"/>
           <p:cNvSpPr/>
           <p:nvPr/>
         </p:nvSpPr>
         <p:spPr>
           <a:xfrm>
             <a:off x="1046160" y="590760"/>
-            <a:ext cx="1589040" cy="623520"/>
+            <a:ext cx="1588680" cy="623160"/>
           </a:xfrm>
           <a:prstGeom prst="rect">
             <a:avLst/>
@@ -10407,14 +9967,14 @@
       </p:sp>
       <p:sp>
         <p:nvSpPr>
-          <p:cNvPr id="235" name="CustomShape 16"/>
+          <p:cNvPr id="237" name="CustomShape 16"/>
           <p:cNvSpPr/>
           <p:nvPr/>
         </p:nvSpPr>
         <p:spPr>
           <a:xfrm>
             <a:off x="2871360" y="567360"/>
-            <a:ext cx="1775160" cy="616680"/>
+            <a:ext cx="1774800" cy="616320"/>
           </a:xfrm>
           <a:prstGeom prst="rect">
             <a:avLst/>
@@ -10458,14 +10018,14 @@
       </p:sp>
       <p:sp>
         <p:nvSpPr>
-          <p:cNvPr id="236" name="CustomShape 17"/>
+          <p:cNvPr id="238" name="CustomShape 17"/>
           <p:cNvSpPr/>
           <p:nvPr/>
         </p:nvSpPr>
         <p:spPr>
           <a:xfrm>
             <a:off x="2479680" y="867960"/>
-            <a:ext cx="330480" cy="360"/>
+            <a:ext cx="330120" cy="360"/>
           </a:xfrm>
           <a:custGeom>
             <a:avLst/>
@@ -10500,14 +10060,14 @@
       </p:sp>
       <p:sp>
         <p:nvSpPr>
-          <p:cNvPr id="237" name="CustomShape 18"/>
+          <p:cNvPr id="239" name="CustomShape 18"/>
           <p:cNvSpPr/>
           <p:nvPr/>
         </p:nvSpPr>
         <p:spPr>
           <a:xfrm>
             <a:off x="7036560" y="182880"/>
-            <a:ext cx="2520" cy="4804560"/>
+            <a:ext cx="2160" cy="4804200"/>
           </a:xfrm>
           <a:custGeom>
             <a:avLst/>
@@ -10544,14 +10104,14 @@
       </p:sp>
       <p:sp>
         <p:nvSpPr>
-          <p:cNvPr id="238" name="CustomShape 19"/>
+          <p:cNvPr id="240" name="CustomShape 19"/>
           <p:cNvSpPr/>
           <p:nvPr/>
         </p:nvSpPr>
         <p:spPr>
           <a:xfrm>
             <a:off x="6858000" y="822960"/>
-            <a:ext cx="330480" cy="360"/>
+            <a:ext cx="330120" cy="360"/>
           </a:xfrm>
           <a:custGeom>
             <a:avLst/>
@@ -10586,14 +10146,14 @@
       </p:sp>
       <p:sp>
         <p:nvSpPr>
-          <p:cNvPr id="239" name="CustomShape 20"/>
+          <p:cNvPr id="241" name="CustomShape 20"/>
           <p:cNvSpPr/>
           <p:nvPr/>
         </p:nvSpPr>
         <p:spPr>
           <a:xfrm>
             <a:off x="5486400" y="680400"/>
-            <a:ext cx="1320480" cy="323640"/>
+            <a:ext cx="1320120" cy="323280"/>
           </a:xfrm>
           <a:prstGeom prst="rect">
             <a:avLst/>
@@ -10630,24 +10190,21 @@
               <a:t>12/3/2022</a:t>
             </a:r>
             <a:endParaRPr b="0" lang="en-US" sz="1600" spc="-1" strike="noStrike">
-              <a:solidFill>
-                <a:srgbClr val="00a933"/>
-              </a:solidFill>
-              <a:latin typeface="Arial"/>
-            </a:endParaRPr>
-          </a:p>
-        </p:txBody>
-      </p:sp>
-      <p:sp>
-        <p:nvSpPr>
-          <p:cNvPr id="240" name="CustomShape 21"/>
+              <a:latin typeface="Arial"/>
+            </a:endParaRPr>
+          </a:p>
+        </p:txBody>
+      </p:sp>
+      <p:sp>
+        <p:nvSpPr>
+          <p:cNvPr id="242" name="CustomShape 21"/>
           <p:cNvSpPr/>
           <p:nvPr/>
         </p:nvSpPr>
         <p:spPr>
           <a:xfrm>
             <a:off x="7223760" y="221760"/>
-            <a:ext cx="1822680" cy="1341360"/>
+            <a:ext cx="1822320" cy="1341000"/>
           </a:xfrm>
           <a:prstGeom prst="rect">
             <a:avLst/>
@@ -10684,9 +10241,6 @@
               <a:t>Try to collect whole genome family and apply the paternity test on, and collect rs numbers for relevance analysis</a:t>
             </a:r>
             <a:endParaRPr b="0" lang="en-US" sz="1400" spc="-1" strike="noStrike">
-              <a:solidFill>
-                <a:srgbClr val="00a933"/>
-              </a:solidFill>
               <a:latin typeface="Arial"/>
             </a:endParaRPr>
           </a:p>
@@ -10697,24 +10251,21 @@
               </a:lnSpc>
             </a:pPr>
             <a:endParaRPr b="0" lang="en-US" sz="1400" spc="-1" strike="noStrike">
-              <a:solidFill>
-                <a:srgbClr val="00a933"/>
-              </a:solidFill>
-              <a:latin typeface="Arial"/>
-            </a:endParaRPr>
-          </a:p>
-        </p:txBody>
-      </p:sp>
-      <p:sp>
-        <p:nvSpPr>
-          <p:cNvPr id="241" name="CustomShape 22"/>
+              <a:latin typeface="Arial"/>
+            </a:endParaRPr>
+          </a:p>
+        </p:txBody>
+      </p:sp>
+      <p:sp>
+        <p:nvSpPr>
+          <p:cNvPr id="243" name="CustomShape 22"/>
           <p:cNvSpPr/>
           <p:nvPr/>
         </p:nvSpPr>
         <p:spPr>
           <a:xfrm>
             <a:off x="6894000" y="2190960"/>
-            <a:ext cx="330480" cy="360"/>
+            <a:ext cx="330120" cy="360"/>
           </a:xfrm>
           <a:custGeom>
             <a:avLst/>
@@ -10749,14 +10300,14 @@
       </p:sp>
       <p:sp>
         <p:nvSpPr>
-          <p:cNvPr id="242" name="CustomShape 23"/>
+          <p:cNvPr id="244" name="CustomShape 23"/>
           <p:cNvSpPr/>
           <p:nvPr/>
         </p:nvSpPr>
         <p:spPr>
           <a:xfrm>
             <a:off x="7364520" y="1956240"/>
-            <a:ext cx="1320480" cy="558000"/>
+            <a:ext cx="1320120" cy="557640"/>
           </a:xfrm>
           <a:prstGeom prst="rect">
             <a:avLst/>
@@ -10793,24 +10344,21 @@
               <a:t>Start of April</a:t>
             </a:r>
             <a:endParaRPr b="0" lang="en-US" sz="1600" spc="-1" strike="noStrike">
-              <a:solidFill>
-                <a:srgbClr val="00a933"/>
-              </a:solidFill>
-              <a:latin typeface="Arial"/>
-            </a:endParaRPr>
-          </a:p>
-        </p:txBody>
-      </p:sp>
-      <p:sp>
-        <p:nvSpPr>
-          <p:cNvPr id="243" name="CustomShape 24"/>
+              <a:latin typeface="Arial"/>
+            </a:endParaRPr>
+          </a:p>
+        </p:txBody>
+      </p:sp>
+      <p:sp>
+        <p:nvSpPr>
+          <p:cNvPr id="245" name="CustomShape 24"/>
           <p:cNvSpPr/>
           <p:nvPr/>
         </p:nvSpPr>
         <p:spPr>
           <a:xfrm>
             <a:off x="7315200" y="2546280"/>
-            <a:ext cx="1644120" cy="1550160"/>
+            <a:ext cx="1643760" cy="1549800"/>
           </a:xfrm>
           <a:prstGeom prst="rect">
             <a:avLst/>
@@ -10847,24 +10395,21 @@
               <a:t>Get relevance between new child and all fathers we have using rs numbers and whole genome</a:t>
             </a:r>
             <a:endParaRPr b="0" lang="en-US" sz="1400" spc="-1" strike="noStrike">
-              <a:solidFill>
-                <a:srgbClr val="00a933"/>
-              </a:solidFill>
-              <a:latin typeface="Arial"/>
-            </a:endParaRPr>
-          </a:p>
-        </p:txBody>
-      </p:sp>
-      <p:sp>
-        <p:nvSpPr>
-          <p:cNvPr id="244" name="CustomShape 25"/>
+              <a:latin typeface="Arial"/>
+            </a:endParaRPr>
+          </a:p>
+        </p:txBody>
+      </p:sp>
+      <p:sp>
+        <p:nvSpPr>
+          <p:cNvPr id="246" name="CustomShape 25"/>
           <p:cNvSpPr/>
           <p:nvPr/>
         </p:nvSpPr>
         <p:spPr>
           <a:xfrm>
             <a:off x="6894000" y="3306960"/>
-            <a:ext cx="330480" cy="360"/>
+            <a:ext cx="330120" cy="360"/>
           </a:xfrm>
           <a:custGeom>
             <a:avLst/>
@@ -10899,14 +10444,14 @@
       </p:sp>
       <p:sp>
         <p:nvSpPr>
-          <p:cNvPr id="245" name="CustomShape 26"/>
+          <p:cNvPr id="247" name="CustomShape 26"/>
           <p:cNvSpPr/>
           <p:nvPr/>
         </p:nvSpPr>
         <p:spPr>
           <a:xfrm>
             <a:off x="5444280" y="3003480"/>
-            <a:ext cx="1320480" cy="558000"/>
+            <a:ext cx="1320120" cy="557640"/>
           </a:xfrm>
           <a:prstGeom prst="rect">
             <a:avLst/>
@@ -10943,24 +10488,21 @@
               <a:t>Middle of April</a:t>
             </a:r>
             <a:endParaRPr b="0" lang="en-US" sz="1600" spc="-1" strike="noStrike">
-              <a:solidFill>
-                <a:srgbClr val="00a933"/>
-              </a:solidFill>
-              <a:latin typeface="Arial"/>
-            </a:endParaRPr>
-          </a:p>
-        </p:txBody>
-      </p:sp>
-      <p:sp>
-        <p:nvSpPr>
-          <p:cNvPr id="246" name="CustomShape 27"/>
+              <a:latin typeface="Arial"/>
+            </a:endParaRPr>
+          </a:p>
+        </p:txBody>
+      </p:sp>
+      <p:sp>
+        <p:nvSpPr>
+          <p:cNvPr id="248" name="CustomShape 27"/>
           <p:cNvSpPr/>
           <p:nvPr/>
         </p:nvSpPr>
         <p:spPr>
           <a:xfrm>
             <a:off x="5212080" y="1371600"/>
-            <a:ext cx="1644120" cy="1341360"/>
+            <a:ext cx="1643760" cy="1341000"/>
           </a:xfrm>
           <a:prstGeom prst="rect">
             <a:avLst/>
@@ -10997,24 +10539,21 @@
               <a:t>Get the STR for each chromosome and compare between father and child</a:t>
             </a:r>
             <a:endParaRPr b="0" lang="en-US" sz="1400" spc="-1" strike="noStrike">
-              <a:solidFill>
-                <a:srgbClr val="00a933"/>
-              </a:solidFill>
-              <a:latin typeface="Arial"/>
-            </a:endParaRPr>
-          </a:p>
-        </p:txBody>
-      </p:sp>
-      <p:sp>
-        <p:nvSpPr>
-          <p:cNvPr id="247" name="CustomShape 28"/>
+              <a:latin typeface="Arial"/>
+            </a:endParaRPr>
+          </a:p>
+        </p:txBody>
+      </p:sp>
+      <p:sp>
+        <p:nvSpPr>
+          <p:cNvPr id="249" name="CustomShape 28"/>
           <p:cNvSpPr/>
           <p:nvPr/>
         </p:nvSpPr>
         <p:spPr>
           <a:xfrm>
             <a:off x="6894000" y="4530960"/>
-            <a:ext cx="330480" cy="360"/>
+            <a:ext cx="330120" cy="360"/>
           </a:xfrm>
           <a:custGeom>
             <a:avLst/>
@@ -11049,14 +10588,14 @@
       </p:sp>
       <p:sp>
         <p:nvSpPr>
-          <p:cNvPr id="248" name="CustomShape 29"/>
+          <p:cNvPr id="250" name="CustomShape 29"/>
           <p:cNvSpPr/>
           <p:nvPr/>
         </p:nvSpPr>
         <p:spPr>
           <a:xfrm>
             <a:off x="5480280" y="4214520"/>
-            <a:ext cx="1320480" cy="558000"/>
+            <a:ext cx="1320120" cy="557640"/>
           </a:xfrm>
           <a:prstGeom prst="rect">
             <a:avLst/>
@@ -11093,24 +10632,21 @@
               <a:t>End of April</a:t>
             </a:r>
             <a:endParaRPr b="0" lang="en-US" sz="1600" spc="-1" strike="noStrike">
-              <a:solidFill>
-                <a:srgbClr val="00a933"/>
-              </a:solidFill>
-              <a:latin typeface="Arial"/>
-            </a:endParaRPr>
-          </a:p>
-        </p:txBody>
-      </p:sp>
-      <p:sp>
-        <p:nvSpPr>
-          <p:cNvPr id="249" name="CustomShape 30"/>
+              <a:latin typeface="Arial"/>
+            </a:endParaRPr>
+          </a:p>
+        </p:txBody>
+      </p:sp>
+      <p:sp>
+        <p:nvSpPr>
+          <p:cNvPr id="251" name="CustomShape 30"/>
           <p:cNvSpPr/>
           <p:nvPr/>
         </p:nvSpPr>
         <p:spPr>
           <a:xfrm>
             <a:off x="7315200" y="4189680"/>
-            <a:ext cx="1644120" cy="729720"/>
+            <a:ext cx="1643760" cy="729360"/>
           </a:xfrm>
           <a:prstGeom prst="rect">
             <a:avLst/>
@@ -11147,17 +10683,14 @@
               <a:t>Finish the prototype of our system</a:t>
             </a:r>
             <a:endParaRPr b="0" lang="en-US" sz="1400" spc="-1" strike="noStrike">
-              <a:solidFill>
-                <a:srgbClr val="00a933"/>
-              </a:solidFill>
-              <a:latin typeface="Arial"/>
-            </a:endParaRPr>
-          </a:p>
-        </p:txBody>
-      </p:sp>
-      <p:sp>
-        <p:nvSpPr>
-          <p:cNvPr id="250" name="Line 31"/>
+              <a:latin typeface="Arial"/>
+            </a:endParaRPr>
+          </a:p>
+        </p:txBody>
+      </p:sp>
+      <p:sp>
+        <p:nvSpPr>
+          <p:cNvPr id="252" name="Line 31"/>
           <p:cNvSpPr/>
           <p:nvPr/>
         </p:nvSpPr>
@@ -11182,14 +10715,14 @@
       </p:sp>
       <p:sp>
         <p:nvSpPr>
-          <p:cNvPr id="251" name="CustomShape 32"/>
+          <p:cNvPr id="253" name="CustomShape 32"/>
           <p:cNvSpPr/>
           <p:nvPr/>
         </p:nvSpPr>
         <p:spPr>
           <a:xfrm>
             <a:off x="74520" y="4622760"/>
-            <a:ext cx="711720" cy="363960"/>
+            <a:ext cx="711360" cy="363960"/>
           </a:xfrm>
           <a:prstGeom prst="rect">
             <a:avLst/>
@@ -11239,7 +10772,7 @@
 </p:sld>
 </file>
 
-<file path=ppt/slides/slide12.xml><?xml version="1.0" encoding="utf-8"?>
+<file path=ppt/slides/slide13.xml><?xml version="1.0" encoding="utf-8"?>
 <p:sld xmlns:a="http://schemas.openxmlformats.org/drawingml/2006/main" xmlns:p="http://schemas.openxmlformats.org/presentationml/2006/main" xmlns:r="http://schemas.openxmlformats.org/officeDocument/2006/relationships" xmlns:p14="http://schemas.microsoft.com/office/powerpoint/2010/main" xmlns:p15="http://schemas.microsoft.com/office/powerpoint/2012/main" xmlns:mc="http://schemas.openxmlformats.org/markup-compatibility/2006">
   <p:cSld>
     <p:spTree>
@@ -11258,14 +10791,14 @@
       </p:grpSpPr>
       <p:sp>
         <p:nvSpPr>
-          <p:cNvPr id="252" name="CustomShape 1"/>
+          <p:cNvPr id="254" name="CustomShape 1"/>
           <p:cNvSpPr/>
           <p:nvPr/>
         </p:nvSpPr>
         <p:spPr>
           <a:xfrm>
             <a:off x="2502720" y="1108800"/>
-            <a:ext cx="4017240" cy="1459800"/>
+            <a:ext cx="4016880" cy="1459440"/>
           </a:xfrm>
           <a:prstGeom prst="rect">
             <a:avLst/>
@@ -11309,14 +10842,14 @@
       </p:sp>
       <p:sp>
         <p:nvSpPr>
-          <p:cNvPr id="253" name="CustomShape 2"/>
+          <p:cNvPr id="255" name="CustomShape 2"/>
           <p:cNvSpPr/>
           <p:nvPr/>
         </p:nvSpPr>
         <p:spPr>
           <a:xfrm>
             <a:off x="2562120" y="2571840"/>
-            <a:ext cx="4017240" cy="1200960"/>
+            <a:ext cx="4016880" cy="1200600"/>
           </a:xfrm>
           <a:prstGeom prst="rect">
             <a:avLst/>
@@ -11428,7 +10961,7 @@
         <p:spPr>
           <a:xfrm>
             <a:off x="720000" y="509760"/>
-            <a:ext cx="7701120" cy="569880"/>
+            <a:ext cx="7700760" cy="569520"/>
           </a:xfrm>
           <a:prstGeom prst="rect">
             <a:avLst/>
@@ -11482,7 +11015,7 @@
         <p:spPr>
           <a:xfrm>
             <a:off x="720000" y="1152360"/>
-            <a:ext cx="7701120" cy="3603240"/>
+            <a:ext cx="7700760" cy="3602880"/>
           </a:xfrm>
           <a:prstGeom prst="rect">
             <a:avLst/>
@@ -11517,7 +11050,7 @@
             </a:endParaRPr>
           </a:p>
           <a:p>
-            <a:pPr marL="618120" indent="-456840">
+            <a:pPr marL="618120" indent="-456480">
               <a:lnSpc>
                 <a:spcPct val="100000"/>
               </a:lnSpc>
@@ -11542,7 +11075,7 @@
             </a:endParaRPr>
           </a:p>
           <a:p>
-            <a:pPr marL="618120" indent="-456840">
+            <a:pPr marL="618120" indent="-456480">
               <a:lnSpc>
                 <a:spcPct val="100000"/>
               </a:lnSpc>
@@ -11567,7 +11100,7 @@
             </a:endParaRPr>
           </a:p>
           <a:p>
-            <a:pPr lvl="1" marL="1075320" indent="-456840">
+            <a:pPr lvl="1" marL="1075320" indent="-456480">
               <a:lnSpc>
                 <a:spcPct val="100000"/>
               </a:lnSpc>
@@ -11592,7 +11125,7 @@
             </a:endParaRPr>
           </a:p>
           <a:p>
-            <a:pPr lvl="1" marL="1075320" indent="-456840">
+            <a:pPr lvl="1" marL="1075320" indent="-456480">
               <a:lnSpc>
                 <a:spcPct val="100000"/>
               </a:lnSpc>
@@ -11617,7 +11150,7 @@
             </a:endParaRPr>
           </a:p>
           <a:p>
-            <a:pPr lvl="1" marL="1075320" indent="-456840">
+            <a:pPr lvl="1" marL="1075320" indent="-456480">
               <a:lnSpc>
                 <a:spcPct val="100000"/>
               </a:lnSpc>
@@ -11642,7 +11175,7 @@
             </a:endParaRPr>
           </a:p>
           <a:p>
-            <a:pPr lvl="1" marL="1075320" indent="-456840">
+            <a:pPr lvl="1" marL="1075320" indent="-456480">
               <a:lnSpc>
                 <a:spcPct val="100000"/>
               </a:lnSpc>
@@ -11667,7 +11200,7 @@
             </a:endParaRPr>
           </a:p>
           <a:p>
-            <a:pPr lvl="1" marL="1075320" indent="-456840">
+            <a:pPr lvl="1" marL="1075320" indent="-456480">
               <a:lnSpc>
                 <a:spcPct val="100000"/>
               </a:lnSpc>
@@ -11692,7 +11225,7 @@
             </a:endParaRPr>
           </a:p>
           <a:p>
-            <a:pPr lvl="1" marL="1075320" indent="-456840">
+            <a:pPr lvl="1" marL="1075320" indent="-456480">
               <a:lnSpc>
                 <a:spcPct val="100000"/>
               </a:lnSpc>
@@ -11717,7 +11250,7 @@
             </a:endParaRPr>
           </a:p>
           <a:p>
-            <a:pPr lvl="1" marL="1075320" indent="-456840">
+            <a:pPr lvl="1" marL="1075320" indent="-456480">
               <a:lnSpc>
                 <a:spcPct val="100000"/>
               </a:lnSpc>
@@ -11752,7 +11285,7 @@
             </a:endParaRPr>
           </a:p>
           <a:p>
-            <a:pPr>
+            <a:pPr marL="618120">
               <a:lnSpc>
                 <a:spcPct val="100000"/>
               </a:lnSpc>
@@ -11806,7 +11339,7 @@
         <p:spPr>
           <a:xfrm>
             <a:off x="169560" y="-44640"/>
-            <a:ext cx="4857840" cy="633600"/>
+            <a:ext cx="4857480" cy="633240"/>
           </a:xfrm>
           <a:prstGeom prst="rect">
             <a:avLst/>
@@ -11860,7 +11393,7 @@
         <p:spPr>
           <a:xfrm>
             <a:off x="74520" y="4622760"/>
-            <a:ext cx="711720" cy="363960"/>
+            <a:ext cx="711360" cy="363960"/>
           </a:xfrm>
           <a:prstGeom prst="rect">
             <a:avLst/>
@@ -11915,7 +11448,7 @@
         <p:spPr>
           <a:xfrm>
             <a:off x="610920" y="555840"/>
-            <a:ext cx="7840080" cy="4381560"/>
+            <a:ext cx="7839720" cy="4381200"/>
           </a:xfrm>
           <a:prstGeom prst="rect">
             <a:avLst/>
@@ -11959,7 +11492,7 @@
         <p:spPr>
           <a:xfrm>
             <a:off x="257760" y="463320"/>
-            <a:ext cx="4869360" cy="520200"/>
+            <a:ext cx="4869000" cy="519840"/>
           </a:xfrm>
           <a:prstGeom prst="rect">
             <a:avLst/>
@@ -12042,7 +11575,7 @@
         <p:spPr>
           <a:xfrm>
             <a:off x="74520" y="4622760"/>
-            <a:ext cx="711720" cy="363960"/>
+            <a:ext cx="711360" cy="363960"/>
           </a:xfrm>
           <a:prstGeom prst="rect">
             <a:avLst/>
@@ -12093,7 +11626,7 @@
         <p:spPr>
           <a:xfrm>
             <a:off x="437040" y="1005840"/>
-            <a:ext cx="7701120" cy="3603240"/>
+            <a:ext cx="7700760" cy="3602880"/>
           </a:xfrm>
           <a:prstGeom prst="rect">
             <a:avLst/>
@@ -12128,7 +11661,7 @@
             </a:endParaRPr>
           </a:p>
           <a:p>
-            <a:pPr marL="457200" indent="-295920">
+            <a:pPr marL="457200" indent="-295560">
               <a:lnSpc>
                 <a:spcPct val="100000"/>
               </a:lnSpc>
@@ -12163,7 +11696,7 @@
             </a:endParaRPr>
           </a:p>
           <a:p>
-            <a:pPr marL="457200" indent="-295920">
+            <a:pPr marL="457200" indent="-295560">
               <a:lnSpc>
                 <a:spcPct val="100000"/>
               </a:lnSpc>
@@ -12198,7 +11731,7 @@
             </a:endParaRPr>
           </a:p>
           <a:p>
-            <a:pPr marL="457200" indent="-295920">
+            <a:pPr marL="457200" indent="-295560">
               <a:lnSpc>
                 <a:spcPct val="100000"/>
               </a:lnSpc>
@@ -12233,7 +11766,7 @@
             </a:endParaRPr>
           </a:p>
           <a:p>
-            <a:pPr marL="457200" indent="-295920">
+            <a:pPr marL="457200" indent="-295560">
               <a:lnSpc>
                 <a:spcPct val="100000"/>
               </a:lnSpc>
@@ -12293,7 +11826,7 @@
         <p:spPr>
           <a:xfrm>
             <a:off x="553680" y="365760"/>
-            <a:ext cx="5938560" cy="721440"/>
+            <a:ext cx="5938200" cy="721080"/>
           </a:xfrm>
           <a:prstGeom prst="rect">
             <a:avLst/>
@@ -12406,7 +11939,7 @@
         <p:spPr>
           <a:xfrm>
             <a:off x="74520" y="4622760"/>
-            <a:ext cx="711720" cy="363960"/>
+            <a:ext cx="711360" cy="363960"/>
           </a:xfrm>
           <a:prstGeom prst="rect">
             <a:avLst/>
@@ -12457,7 +11990,7 @@
         <p:spPr>
           <a:xfrm>
             <a:off x="619920" y="914400"/>
-            <a:ext cx="7701120" cy="4023360"/>
+            <a:ext cx="7700760" cy="4023000"/>
           </a:xfrm>
           <a:prstGeom prst="rect">
             <a:avLst/>
@@ -12492,7 +12025,7 @@
             </a:endParaRPr>
           </a:p>
           <a:p>
-            <a:pPr marL="457200" indent="-295920">
+            <a:pPr marL="457200" indent="-295560">
               <a:lnSpc>
                 <a:spcPct val="100000"/>
               </a:lnSpc>
@@ -12527,7 +12060,7 @@
             </a:endParaRPr>
           </a:p>
           <a:p>
-            <a:pPr marL="457200" indent="-295920">
+            <a:pPr marL="457200" indent="-295560">
               <a:lnSpc>
                 <a:spcPct val="100000"/>
               </a:lnSpc>
@@ -12562,7 +12095,7 @@
             </a:endParaRPr>
           </a:p>
           <a:p>
-            <a:pPr marL="457200" indent="-295920">
+            <a:pPr marL="457200" indent="-295560">
               <a:lnSpc>
                 <a:spcPct val="100000"/>
               </a:lnSpc>
@@ -12597,7 +12130,7 @@
             </a:endParaRPr>
           </a:p>
           <a:p>
-            <a:pPr marL="457200" indent="-295920">
+            <a:pPr marL="457200" indent="-295560">
               <a:lnSpc>
                 <a:spcPct val="100000"/>
               </a:lnSpc>
@@ -12632,7 +12165,7 @@
             </a:endParaRPr>
           </a:p>
           <a:p>
-            <a:pPr marL="457200" indent="-295920">
+            <a:pPr marL="457200" indent="-295560">
               <a:lnSpc>
                 <a:spcPct val="100000"/>
               </a:lnSpc>
@@ -12812,7 +12345,7 @@
         <p:spPr>
           <a:xfrm>
             <a:off x="368640" y="396360"/>
-            <a:ext cx="6469920" cy="678600"/>
+            <a:ext cx="6469560" cy="678240"/>
           </a:xfrm>
           <a:prstGeom prst="rect">
             <a:avLst/>
@@ -12915,7 +12448,7 @@
         <p:spPr>
           <a:xfrm>
             <a:off x="74520" y="4622760"/>
-            <a:ext cx="711720" cy="363960"/>
+            <a:ext cx="711360" cy="363960"/>
           </a:xfrm>
           <a:prstGeom prst="rect">
             <a:avLst/>
@@ -12966,7 +12499,7 @@
         <p:spPr>
           <a:xfrm>
             <a:off x="528480" y="1005840"/>
-            <a:ext cx="7701120" cy="3931920"/>
+            <a:ext cx="7700760" cy="3931560"/>
           </a:xfrm>
           <a:prstGeom prst="rect">
             <a:avLst/>
@@ -13001,7 +12534,7 @@
             </a:endParaRPr>
           </a:p>
           <a:p>
-            <a:pPr marL="457200" indent="-295920">
+            <a:pPr marL="457200" indent="-295560">
               <a:lnSpc>
                 <a:spcPct val="100000"/>
               </a:lnSpc>
@@ -13036,7 +12569,7 @@
             </a:endParaRPr>
           </a:p>
           <a:p>
-            <a:pPr marL="457200" indent="-295920">
+            <a:pPr marL="457200" indent="-295560">
               <a:lnSpc>
                 <a:spcPct val="100000"/>
               </a:lnSpc>
@@ -13071,7 +12604,7 @@
             </a:endParaRPr>
           </a:p>
           <a:p>
-            <a:pPr marL="457200" indent="-295920">
+            <a:pPr marL="457200" indent="-295560">
               <a:lnSpc>
                 <a:spcPct val="100000"/>
               </a:lnSpc>
@@ -13106,7 +12639,7 @@
             </a:endParaRPr>
           </a:p>
           <a:p>
-            <a:pPr marL="457200" indent="-295920">
+            <a:pPr marL="457200" indent="-295560">
               <a:lnSpc>
                 <a:spcPct val="100000"/>
               </a:lnSpc>
@@ -13141,7 +12674,7 @@
             </a:endParaRPr>
           </a:p>
           <a:p>
-            <a:pPr marL="457200" indent="-295920">
+            <a:pPr marL="457200" indent="-295560">
               <a:lnSpc>
                 <a:spcPct val="100000"/>
               </a:lnSpc>
@@ -13331,7 +12864,7 @@
         <p:spPr>
           <a:xfrm>
             <a:off x="493200" y="512640"/>
-            <a:ext cx="4170240" cy="584640"/>
+            <a:ext cx="4169880" cy="584280"/>
           </a:xfrm>
           <a:prstGeom prst="rect">
             <a:avLst/>
@@ -13414,7 +12947,7 @@
         <p:spPr>
           <a:xfrm>
             <a:off x="74520" y="4622760"/>
-            <a:ext cx="711720" cy="363960"/>
+            <a:ext cx="711360" cy="363960"/>
           </a:xfrm>
           <a:prstGeom prst="rect">
             <a:avLst/>
@@ -13465,7 +12998,7 @@
         <p:spPr>
           <a:xfrm>
             <a:off x="493200" y="1371600"/>
-            <a:ext cx="7701120" cy="2103120"/>
+            <a:ext cx="7700760" cy="2102760"/>
           </a:xfrm>
           <a:prstGeom prst="rect">
             <a:avLst/>
@@ -13500,7 +13033,7 @@
             </a:endParaRPr>
           </a:p>
           <a:p>
-            <a:pPr marL="457200" indent="-295920">
+            <a:pPr marL="457200" indent="-295560">
               <a:lnSpc>
                 <a:spcPct val="100000"/>
               </a:lnSpc>
@@ -13535,7 +13068,7 @@
             </a:endParaRPr>
           </a:p>
           <a:p>
-            <a:pPr marL="457200" indent="-295920">
+            <a:pPr marL="457200" indent="-295560">
               <a:lnSpc>
                 <a:spcPct val="100000"/>
               </a:lnSpc>
@@ -13745,7 +13278,7 @@
         <p:spPr>
           <a:xfrm>
             <a:off x="493200" y="724680"/>
-            <a:ext cx="5560920" cy="616320"/>
+            <a:ext cx="5560560" cy="615960"/>
           </a:xfrm>
           <a:prstGeom prst="rect">
             <a:avLst/>
@@ -13868,7 +13401,7 @@
         <p:spPr>
           <a:xfrm>
             <a:off x="74520" y="4622760"/>
-            <a:ext cx="711720" cy="363960"/>
+            <a:ext cx="711360" cy="363960"/>
           </a:xfrm>
           <a:prstGeom prst="rect">
             <a:avLst/>
@@ -13919,7 +13452,7 @@
         <p:spPr>
           <a:xfrm>
             <a:off x="548640" y="1025640"/>
-            <a:ext cx="7701120" cy="3912120"/>
+            <a:ext cx="7700760" cy="3911760"/>
           </a:xfrm>
           <a:prstGeom prst="rect">
             <a:avLst/>
@@ -13954,7 +13487,7 @@
             </a:endParaRPr>
           </a:p>
           <a:p>
-            <a:pPr marL="457200" indent="-295920">
+            <a:pPr marL="457200" indent="-295560">
               <a:lnSpc>
                 <a:spcPct val="100000"/>
               </a:lnSpc>
@@ -13989,7 +13522,7 @@
             </a:endParaRPr>
           </a:p>
           <a:p>
-            <a:pPr marL="457200" indent="-295920">
+            <a:pPr marL="457200" indent="-295560">
               <a:lnSpc>
                 <a:spcPct val="100000"/>
               </a:lnSpc>
@@ -14024,7 +13557,7 @@
             </a:endParaRPr>
           </a:p>
           <a:p>
-            <a:pPr marL="457200" indent="-295920">
+            <a:pPr marL="457200" indent="-295560">
               <a:lnSpc>
                 <a:spcPct val="100000"/>
               </a:lnSpc>
@@ -14059,7 +13592,7 @@
             </a:endParaRPr>
           </a:p>
           <a:p>
-            <a:pPr marL="457200" indent="-295920">
+            <a:pPr marL="457200" indent="-295560">
               <a:lnSpc>
                 <a:spcPct val="100000"/>
               </a:lnSpc>
@@ -14094,7 +13627,7 @@
             </a:endParaRPr>
           </a:p>
           <a:p>
-            <a:pPr marL="457200" indent="-295920">
+            <a:pPr marL="457200" indent="-295560">
               <a:lnSpc>
                 <a:spcPct val="100000"/>
               </a:lnSpc>
@@ -14129,7 +13662,7 @@
             </a:endParaRPr>
           </a:p>
           <a:p>
-            <a:pPr marL="457200" indent="-295920">
+            <a:pPr marL="457200" indent="-295560">
               <a:lnSpc>
                 <a:spcPct val="100000"/>
               </a:lnSpc>
@@ -14164,7 +13697,7 @@
             </a:endParaRPr>
           </a:p>
           <a:p>
-            <a:pPr marL="457200" indent="-295920">
+            <a:pPr marL="457200" indent="-295560">
               <a:lnSpc>
                 <a:spcPct val="100000"/>
               </a:lnSpc>
@@ -14404,7 +13937,7 @@
         <p:spPr>
           <a:xfrm>
             <a:off x="500040" y="365760"/>
-            <a:ext cx="8118720" cy="825480"/>
+            <a:ext cx="8118360" cy="825120"/>
           </a:xfrm>
           <a:prstGeom prst="rect">
             <a:avLst/>
@@ -14507,7 +14040,7 @@
         <p:spPr>
           <a:xfrm>
             <a:off x="74520" y="4622760"/>
-            <a:ext cx="711720" cy="363960"/>
+            <a:ext cx="711360" cy="363960"/>
           </a:xfrm>
           <a:prstGeom prst="rect">
             <a:avLst/>
@@ -14558,7 +14091,7 @@
         <p:spPr>
           <a:xfrm>
             <a:off x="548640" y="1097280"/>
-            <a:ext cx="7863840" cy="3749040"/>
+            <a:ext cx="7863480" cy="3748680"/>
           </a:xfrm>
           <a:prstGeom prst="rect">
             <a:avLst/>
@@ -14593,7 +14126,7 @@
             </a:endParaRPr>
           </a:p>
           <a:p>
-            <a:pPr marL="457200" indent="-295920">
+            <a:pPr marL="457200" indent="-295560">
               <a:lnSpc>
                 <a:spcPct val="100000"/>
               </a:lnSpc>
@@ -14628,7 +14161,7 @@
             </a:endParaRPr>
           </a:p>
           <a:p>
-            <a:pPr marL="457200" indent="-295920">
+            <a:pPr marL="457200" indent="-295560">
               <a:lnSpc>
                 <a:spcPct val="100000"/>
               </a:lnSpc>
@@ -14663,7 +14196,7 @@
             </a:endParaRPr>
           </a:p>
           <a:p>
-            <a:pPr marL="457200" indent="-295920">
+            <a:pPr marL="457200" indent="-295560">
               <a:lnSpc>
                 <a:spcPct val="100000"/>
               </a:lnSpc>
@@ -14698,7 +14231,7 @@
             </a:endParaRPr>
           </a:p>
           <a:p>
-            <a:pPr marL="457200" indent="-295920">
+            <a:pPr marL="457200" indent="-295560">
               <a:lnSpc>
                 <a:spcPct val="100000"/>
               </a:lnSpc>
@@ -14733,7 +14266,7 @@
             </a:endParaRPr>
           </a:p>
           <a:p>
-            <a:pPr marL="457200" indent="-295920">
+            <a:pPr marL="457200" indent="-295560">
               <a:lnSpc>
                 <a:spcPct val="100000"/>
               </a:lnSpc>
